--- a/powerpoints/発表用メイン.pptx
+++ b/powerpoints/発表用メイン.pptx
@@ -221,8 +221,8 @@
         </c:dLbls>
         <c:marker val="1"/>
         <c:smooth val="0"/>
-        <c:axId val="-972994592"/>
-        <c:axId val="-972991840"/>
+        <c:axId val="159518832"/>
+        <c:axId val="159521152"/>
       </c:lineChart>
       <c:lineChart>
         <c:grouping val="standard"/>
@@ -300,11 +300,11 @@
         </c:dLbls>
         <c:marker val="1"/>
         <c:smooth val="0"/>
-        <c:axId val="-972986368"/>
-        <c:axId val="-972988848"/>
+        <c:axId val="159526304"/>
+        <c:axId val="159523984"/>
       </c:lineChart>
       <c:catAx>
-        <c:axId val="-972994592"/>
+        <c:axId val="159518832"/>
         <c:scaling>
           <c:orientation val="minMax"/>
         </c:scaling>
@@ -344,7 +344,7 @@
             <a:endParaRPr lang="ja-JP"/>
           </a:p>
         </c:txPr>
-        <c:crossAx val="-972991840"/>
+        <c:crossAx val="159521152"/>
         <c:crosses val="autoZero"/>
         <c:auto val="1"/>
         <c:lblAlgn val="ctr"/>
@@ -352,7 +352,7 @@
         <c:noMultiLvlLbl val="0"/>
       </c:catAx>
       <c:valAx>
-        <c:axId val="-972991840"/>
+        <c:axId val="159521152"/>
         <c:scaling>
           <c:orientation val="minMax"/>
           <c:min val="0.0"/>
@@ -403,12 +403,12 @@
             <a:endParaRPr lang="ja-JP"/>
           </a:p>
         </c:txPr>
-        <c:crossAx val="-972994592"/>
+        <c:crossAx val="159518832"/>
         <c:crosses val="autoZero"/>
         <c:crossBetween val="between"/>
       </c:valAx>
       <c:valAx>
-        <c:axId val="-972988848"/>
+        <c:axId val="159523984"/>
         <c:scaling>
           <c:orientation val="minMax"/>
           <c:max val="20.0"/>
@@ -443,12 +443,12 @@
             <a:endParaRPr lang="ja-JP"/>
           </a:p>
         </c:txPr>
-        <c:crossAx val="-972986368"/>
+        <c:crossAx val="159526304"/>
         <c:crosses val="max"/>
         <c:crossBetween val="between"/>
       </c:valAx>
       <c:catAx>
-        <c:axId val="-972986368"/>
+        <c:axId val="159526304"/>
         <c:scaling>
           <c:orientation val="minMax"/>
         </c:scaling>
@@ -458,7 +458,7 @@
         <c:majorTickMark val="out"/>
         <c:minorTickMark val="none"/>
         <c:tickLblPos val="nextTo"/>
-        <c:crossAx val="-972988848"/>
+        <c:crossAx val="159523984"/>
         <c:crosses val="autoZero"/>
         <c:auto val="1"/>
         <c:lblAlgn val="ctr"/>
@@ -595,8 +595,8 @@
         </c:dLbls>
         <c:marker val="1"/>
         <c:smooth val="0"/>
-        <c:axId val="-972950896"/>
-        <c:axId val="-972948144"/>
+        <c:axId val="159571120"/>
+        <c:axId val="159573872"/>
       </c:lineChart>
       <c:lineChart>
         <c:grouping val="standard"/>
@@ -674,11 +674,11 @@
         </c:dLbls>
         <c:marker val="1"/>
         <c:smooth val="0"/>
-        <c:axId val="-1050209696"/>
-        <c:axId val="-1050211744"/>
+        <c:axId val="159579344"/>
+        <c:axId val="159576864"/>
       </c:lineChart>
       <c:catAx>
-        <c:axId val="-972950896"/>
+        <c:axId val="159571120"/>
         <c:scaling>
           <c:orientation val="minMax"/>
         </c:scaling>
@@ -718,7 +718,7 @@
             <a:endParaRPr lang="ja-JP"/>
           </a:p>
         </c:txPr>
-        <c:crossAx val="-972948144"/>
+        <c:crossAx val="159573872"/>
         <c:crosses val="autoZero"/>
         <c:auto val="1"/>
         <c:lblAlgn val="ctr"/>
@@ -726,7 +726,7 @@
         <c:noMultiLvlLbl val="0"/>
       </c:catAx>
       <c:valAx>
-        <c:axId val="-972948144"/>
+        <c:axId val="159573872"/>
         <c:scaling>
           <c:orientation val="minMax"/>
           <c:min val="0.0"/>
@@ -777,12 +777,12 @@
             <a:endParaRPr lang="ja-JP"/>
           </a:p>
         </c:txPr>
-        <c:crossAx val="-972950896"/>
+        <c:crossAx val="159571120"/>
         <c:crosses val="autoZero"/>
         <c:crossBetween val="between"/>
       </c:valAx>
       <c:valAx>
-        <c:axId val="-1050211744"/>
+        <c:axId val="159576864"/>
         <c:scaling>
           <c:orientation val="minMax"/>
           <c:max val="20.0"/>
@@ -818,12 +818,12 @@
             <a:endParaRPr lang="ja-JP"/>
           </a:p>
         </c:txPr>
-        <c:crossAx val="-1050209696"/>
+        <c:crossAx val="159579344"/>
         <c:crosses val="max"/>
         <c:crossBetween val="between"/>
       </c:valAx>
       <c:catAx>
-        <c:axId val="-1050209696"/>
+        <c:axId val="159579344"/>
         <c:scaling>
           <c:orientation val="minMax"/>
         </c:scaling>
@@ -833,7 +833,7 @@
         <c:majorTickMark val="out"/>
         <c:minorTickMark val="none"/>
         <c:tickLblPos val="nextTo"/>
-        <c:crossAx val="-1050211744"/>
+        <c:crossAx val="159576864"/>
         <c:crosses val="autoZero"/>
         <c:auto val="1"/>
         <c:lblAlgn val="ctr"/>
@@ -970,8 +970,8 @@
         </c:dLbls>
         <c:marker val="1"/>
         <c:smooth val="0"/>
-        <c:axId val="-1011434000"/>
-        <c:axId val="-1011431680"/>
+        <c:axId val="129290352"/>
+        <c:axId val="129293104"/>
       </c:lineChart>
       <c:lineChart>
         <c:grouping val="standard"/>
@@ -1049,11 +1049,11 @@
         </c:dLbls>
         <c:marker val="1"/>
         <c:smooth val="0"/>
-        <c:axId val="-1011415232"/>
-        <c:axId val="-1011428848"/>
+        <c:axId val="129298576"/>
+        <c:axId val="129296096"/>
       </c:lineChart>
       <c:catAx>
-        <c:axId val="-1011434000"/>
+        <c:axId val="129290352"/>
         <c:scaling>
           <c:orientation val="minMax"/>
         </c:scaling>
@@ -1093,7 +1093,7 @@
             <a:endParaRPr lang="ja-JP"/>
           </a:p>
         </c:txPr>
-        <c:crossAx val="-1011431680"/>
+        <c:crossAx val="129293104"/>
         <c:crosses val="autoZero"/>
         <c:auto val="1"/>
         <c:lblAlgn val="ctr"/>
@@ -1101,7 +1101,7 @@
         <c:noMultiLvlLbl val="0"/>
       </c:catAx>
       <c:valAx>
-        <c:axId val="-1011431680"/>
+        <c:axId val="129293104"/>
         <c:scaling>
           <c:orientation val="minMax"/>
           <c:min val="0.0"/>
@@ -1152,12 +1152,12 @@
             <a:endParaRPr lang="ja-JP"/>
           </a:p>
         </c:txPr>
-        <c:crossAx val="-1011434000"/>
+        <c:crossAx val="129290352"/>
         <c:crosses val="autoZero"/>
         <c:crossBetween val="between"/>
       </c:valAx>
       <c:valAx>
-        <c:axId val="-1011428848"/>
+        <c:axId val="129296096"/>
         <c:scaling>
           <c:orientation val="minMax"/>
           <c:max val="20.0"/>
@@ -1193,12 +1193,12 @@
             <a:endParaRPr lang="ja-JP"/>
           </a:p>
         </c:txPr>
-        <c:crossAx val="-1011415232"/>
+        <c:crossAx val="129298576"/>
         <c:crosses val="max"/>
         <c:crossBetween val="between"/>
       </c:valAx>
       <c:catAx>
-        <c:axId val="-1011415232"/>
+        <c:axId val="129298576"/>
         <c:scaling>
           <c:orientation val="minMax"/>
         </c:scaling>
@@ -1208,7 +1208,7 @@
         <c:majorTickMark val="out"/>
         <c:minorTickMark val="none"/>
         <c:tickLblPos val="nextTo"/>
-        <c:crossAx val="-1011428848"/>
+        <c:crossAx val="129296096"/>
         <c:crosses val="autoZero"/>
         <c:auto val="1"/>
         <c:lblAlgn val="ctr"/>
@@ -7526,7 +7526,32 @@
                 <a:ea typeface="Tsukushi A Round Gothic" charset="-128"/>
                 <a:cs typeface="Tsukushi A Round Gothic" charset="-128"/>
               </a:rPr>
-              <a:t>日中になると＊、夜は</a:t>
+              <a:t>日中になると</a:t>
+            </a:r>
+            <a:r>
+              <a:rPr lang="ja-JP" altLang="en-US" sz="2800" b="1" dirty="0" smtClean="0">
+                <a:solidFill>
+                  <a:schemeClr val="accent2"/>
+                </a:solidFill>
+                <a:latin typeface="Tsukushi A Round Gothic" charset="-128"/>
+                <a:ea typeface="Tsukushi A Round Gothic" charset="-128"/>
+                <a:cs typeface="Tsukushi A Round Gothic" charset="-128"/>
+              </a:rPr>
+              <a:t>＊</a:t>
+            </a:r>
+            <a:r>
+              <a:rPr lang="ja-JP" altLang="en-US" sz="2800" b="1" dirty="0" smtClean="0">
+                <a:solidFill>
+                  <a:schemeClr val="tx1">
+                    <a:lumMod val="75000"/>
+                    <a:lumOff val="25000"/>
+                  </a:schemeClr>
+                </a:solidFill>
+                <a:latin typeface="Tsukushi A Round Gothic" charset="-128"/>
+                <a:ea typeface="Tsukushi A Round Gothic" charset="-128"/>
+                <a:cs typeface="Tsukushi A Round Gothic" charset="-128"/>
+              </a:rPr>
+              <a:t>、夜は</a:t>
             </a:r>
             <a:r>
               <a:rPr lang="ja-JP" altLang="en-US" sz="2800" b="1" dirty="0" smtClean="0">
@@ -10210,23 +10235,7 @@
             </a:pPr>
             <a:r>
               <a:rPr lang="ja-JP" altLang="en-US" sz="3600" dirty="0" smtClean="0"/>
-              <a:t>「</a:t>
-            </a:r>
-            <a:r>
-              <a:rPr lang="ja-JP" altLang="en-US" sz="3600" dirty="0" smtClean="0"/>
-              <a:t>朝</a:t>
-            </a:r>
-            <a:r>
-              <a:rPr lang="ja-JP" altLang="en-US" sz="3600" dirty="0" smtClean="0"/>
-              <a:t>の</a:t>
-            </a:r>
-            <a:r>
-              <a:rPr lang="ja-JP" altLang="en-US" sz="3600" dirty="0" smtClean="0"/>
-              <a:t>服選びに</a:t>
-            </a:r>
-            <a:r>
-              <a:rPr lang="ja-JP" altLang="en-US" sz="3600" dirty="0" smtClean="0"/>
-              <a:t>ラクさを</a:t>
+              <a:t>「朝の服選びにラクさを</a:t>
             </a:r>
             <a:r>
               <a:rPr lang="ja-JP" altLang="en-US" sz="3600" dirty="0"/>
@@ -10289,20 +10298,7 @@
                 <a:ea typeface="Tsukushi A Round Gothic" charset="-128"/>
                 <a:cs typeface="Tsukushi A Round Gothic" charset="-128"/>
               </a:rPr>
-              <a:t>予報</a:t>
-            </a:r>
-            <a:r>
-              <a:rPr kumimoji="1" lang="ja-JP" altLang="en-US" sz="3600" b="1" dirty="0" smtClean="0">
-                <a:solidFill>
-                  <a:schemeClr val="accent5">
-                    <a:lumMod val="75000"/>
-                  </a:schemeClr>
-                </a:solidFill>
-                <a:latin typeface="Tsukushi A Round Gothic" charset="-128"/>
-                <a:ea typeface="Tsukushi A Round Gothic" charset="-128"/>
-                <a:cs typeface="Tsukushi A Round Gothic" charset="-128"/>
-              </a:rPr>
-              <a:t>された気候から、</a:t>
+              <a:t>予報された気候から、</a:t>
             </a:r>
             <a:endParaRPr kumimoji="1" lang="en-US" altLang="ja-JP" sz="3600" b="1" dirty="0" smtClean="0">
               <a:solidFill>
@@ -11724,11 +11720,7 @@
             </a:r>
             <a:r>
               <a:rPr lang="ja-JP" altLang="en-US" dirty="0" smtClean="0"/>
-              <a:t>日の</a:t>
-            </a:r>
-            <a:r>
-              <a:rPr lang="ja-JP" altLang="en-US" dirty="0" smtClean="0"/>
-              <a:t>天気</a:t>
+              <a:t>日の天気</a:t>
             </a:r>
             <a:endParaRPr kumimoji="1" lang="ja-JP" altLang="en-US" dirty="0"/>
           </a:p>

--- a/powerpoints/発表用メイン.pptx
+++ b/powerpoints/発表用メイン.pptx
@@ -221,8 +221,8 @@
         </c:dLbls>
         <c:marker val="1"/>
         <c:smooth val="0"/>
-        <c:axId val="159518832"/>
-        <c:axId val="159521152"/>
+        <c:axId val="129129248"/>
+        <c:axId val="129849472"/>
       </c:lineChart>
       <c:lineChart>
         <c:grouping val="standard"/>
@@ -300,11 +300,11 @@
         </c:dLbls>
         <c:marker val="1"/>
         <c:smooth val="0"/>
-        <c:axId val="159526304"/>
-        <c:axId val="159523984"/>
+        <c:axId val="129656336"/>
+        <c:axId val="129158880"/>
       </c:lineChart>
       <c:catAx>
-        <c:axId val="159518832"/>
+        <c:axId val="129129248"/>
         <c:scaling>
           <c:orientation val="minMax"/>
         </c:scaling>
@@ -344,7 +344,7 @@
             <a:endParaRPr lang="ja-JP"/>
           </a:p>
         </c:txPr>
-        <c:crossAx val="159521152"/>
+        <c:crossAx val="129849472"/>
         <c:crosses val="autoZero"/>
         <c:auto val="1"/>
         <c:lblAlgn val="ctr"/>
@@ -352,7 +352,7 @@
         <c:noMultiLvlLbl val="0"/>
       </c:catAx>
       <c:valAx>
-        <c:axId val="159521152"/>
+        <c:axId val="129849472"/>
         <c:scaling>
           <c:orientation val="minMax"/>
           <c:min val="0.0"/>
@@ -403,12 +403,12 @@
             <a:endParaRPr lang="ja-JP"/>
           </a:p>
         </c:txPr>
-        <c:crossAx val="159518832"/>
+        <c:crossAx val="129129248"/>
         <c:crosses val="autoZero"/>
         <c:crossBetween val="between"/>
       </c:valAx>
       <c:valAx>
-        <c:axId val="159523984"/>
+        <c:axId val="129158880"/>
         <c:scaling>
           <c:orientation val="minMax"/>
           <c:max val="20.0"/>
@@ -443,12 +443,12 @@
             <a:endParaRPr lang="ja-JP"/>
           </a:p>
         </c:txPr>
-        <c:crossAx val="159526304"/>
+        <c:crossAx val="129656336"/>
         <c:crosses val="max"/>
         <c:crossBetween val="between"/>
       </c:valAx>
       <c:catAx>
-        <c:axId val="159526304"/>
+        <c:axId val="129656336"/>
         <c:scaling>
           <c:orientation val="minMax"/>
         </c:scaling>
@@ -458,7 +458,7 @@
         <c:majorTickMark val="out"/>
         <c:minorTickMark val="none"/>
         <c:tickLblPos val="nextTo"/>
-        <c:crossAx val="159523984"/>
+        <c:crossAx val="129158880"/>
         <c:crosses val="autoZero"/>
         <c:auto val="1"/>
         <c:lblAlgn val="ctr"/>
@@ -595,8 +595,8 @@
         </c:dLbls>
         <c:marker val="1"/>
         <c:smooth val="0"/>
-        <c:axId val="159571120"/>
-        <c:axId val="159573872"/>
+        <c:axId val="91415664"/>
+        <c:axId val="91417024"/>
       </c:lineChart>
       <c:lineChart>
         <c:grouping val="standard"/>
@@ -674,11 +674,11 @@
         </c:dLbls>
         <c:marker val="1"/>
         <c:smooth val="0"/>
-        <c:axId val="159579344"/>
-        <c:axId val="159576864"/>
+        <c:axId val="92021536"/>
+        <c:axId val="92019760"/>
       </c:lineChart>
       <c:catAx>
-        <c:axId val="159571120"/>
+        <c:axId val="91415664"/>
         <c:scaling>
           <c:orientation val="minMax"/>
         </c:scaling>
@@ -718,7 +718,7 @@
             <a:endParaRPr lang="ja-JP"/>
           </a:p>
         </c:txPr>
-        <c:crossAx val="159573872"/>
+        <c:crossAx val="91417024"/>
         <c:crosses val="autoZero"/>
         <c:auto val="1"/>
         <c:lblAlgn val="ctr"/>
@@ -726,7 +726,7 @@
         <c:noMultiLvlLbl val="0"/>
       </c:catAx>
       <c:valAx>
-        <c:axId val="159573872"/>
+        <c:axId val="91417024"/>
         <c:scaling>
           <c:orientation val="minMax"/>
           <c:min val="0.0"/>
@@ -777,12 +777,12 @@
             <a:endParaRPr lang="ja-JP"/>
           </a:p>
         </c:txPr>
-        <c:crossAx val="159571120"/>
+        <c:crossAx val="91415664"/>
         <c:crosses val="autoZero"/>
         <c:crossBetween val="between"/>
       </c:valAx>
       <c:valAx>
-        <c:axId val="159576864"/>
+        <c:axId val="92019760"/>
         <c:scaling>
           <c:orientation val="minMax"/>
           <c:max val="20.0"/>
@@ -818,12 +818,12 @@
             <a:endParaRPr lang="ja-JP"/>
           </a:p>
         </c:txPr>
-        <c:crossAx val="159579344"/>
+        <c:crossAx val="92021536"/>
         <c:crosses val="max"/>
         <c:crossBetween val="between"/>
       </c:valAx>
       <c:catAx>
-        <c:axId val="159579344"/>
+        <c:axId val="92021536"/>
         <c:scaling>
           <c:orientation val="minMax"/>
         </c:scaling>
@@ -833,7 +833,7 @@
         <c:majorTickMark val="out"/>
         <c:minorTickMark val="none"/>
         <c:tickLblPos val="nextTo"/>
-        <c:crossAx val="159576864"/>
+        <c:crossAx val="92019760"/>
         <c:crosses val="autoZero"/>
         <c:auto val="1"/>
         <c:lblAlgn val="ctr"/>
@@ -970,8 +970,8 @@
         </c:dLbls>
         <c:marker val="1"/>
         <c:smooth val="0"/>
-        <c:axId val="129290352"/>
-        <c:axId val="129293104"/>
+        <c:axId val="160013888"/>
+        <c:axId val="160015664"/>
       </c:lineChart>
       <c:lineChart>
         <c:grouping val="standard"/>
@@ -1049,11 +1049,11 @@
         </c:dLbls>
         <c:marker val="1"/>
         <c:smooth val="0"/>
-        <c:axId val="129298576"/>
-        <c:axId val="129296096"/>
+        <c:axId val="160020816"/>
+        <c:axId val="160018496"/>
       </c:lineChart>
       <c:catAx>
-        <c:axId val="129290352"/>
+        <c:axId val="160013888"/>
         <c:scaling>
           <c:orientation val="minMax"/>
         </c:scaling>
@@ -1093,7 +1093,7 @@
             <a:endParaRPr lang="ja-JP"/>
           </a:p>
         </c:txPr>
-        <c:crossAx val="129293104"/>
+        <c:crossAx val="160015664"/>
         <c:crosses val="autoZero"/>
         <c:auto val="1"/>
         <c:lblAlgn val="ctr"/>
@@ -1101,7 +1101,7 @@
         <c:noMultiLvlLbl val="0"/>
       </c:catAx>
       <c:valAx>
-        <c:axId val="129293104"/>
+        <c:axId val="160015664"/>
         <c:scaling>
           <c:orientation val="minMax"/>
           <c:min val="0.0"/>
@@ -1152,12 +1152,12 @@
             <a:endParaRPr lang="ja-JP"/>
           </a:p>
         </c:txPr>
-        <c:crossAx val="129290352"/>
+        <c:crossAx val="160013888"/>
         <c:crosses val="autoZero"/>
         <c:crossBetween val="between"/>
       </c:valAx>
       <c:valAx>
-        <c:axId val="129296096"/>
+        <c:axId val="160018496"/>
         <c:scaling>
           <c:orientation val="minMax"/>
           <c:max val="20.0"/>
@@ -1193,12 +1193,12 @@
             <a:endParaRPr lang="ja-JP"/>
           </a:p>
         </c:txPr>
-        <c:crossAx val="129298576"/>
+        <c:crossAx val="160020816"/>
         <c:crosses val="max"/>
         <c:crossBetween val="between"/>
       </c:valAx>
       <c:catAx>
-        <c:axId val="129298576"/>
+        <c:axId val="160020816"/>
         <c:scaling>
           <c:orientation val="minMax"/>
         </c:scaling>
@@ -1208,7 +1208,7 @@
         <c:majorTickMark val="out"/>
         <c:minorTickMark val="none"/>
         <c:tickLblPos val="nextTo"/>
-        <c:crossAx val="129296096"/>
+        <c:crossAx val="160018496"/>
         <c:crosses val="autoZero"/>
         <c:auto val="1"/>
         <c:lblAlgn val="ctr"/>
@@ -7406,7 +7406,11 @@
           <a:p>
             <a:r>
               <a:rPr kumimoji="1" lang="ja-JP" altLang="en-US" dirty="0" smtClean="0"/>
-              <a:t>使用技術・過去の似た日の服装</a:t>
+              <a:t>使用技術</a:t>
+            </a:r>
+            <a:r>
+              <a:rPr kumimoji="1" lang="ja-JP" altLang="en-US" dirty="0" smtClean="0"/>
+              <a:t>・文章生成</a:t>
             </a:r>
             <a:endParaRPr kumimoji="1" lang="ja-JP" altLang="en-US" dirty="0"/>
           </a:p>
@@ -10463,8 +10467,8 @@
         </p:nvSpPr>
         <p:spPr>
           <a:xfrm>
-            <a:off x="224790" y="2784635"/>
-            <a:ext cx="6598920" cy="3550920"/>
+            <a:off x="1145286" y="2663379"/>
+            <a:ext cx="5407914" cy="3550920"/>
           </a:xfrm>
           <a:prstGeom prst="cloudCallout">
             <a:avLst>
@@ -10513,10 +10517,23 @@
                 <a:ea typeface="Tsukushi A Round Gothic" charset="-128"/>
                 <a:cs typeface="Tsukushi A Round Gothic" charset="-128"/>
               </a:rPr>
-              <a:t>過去の</a:t>
-            </a:r>
-            <a:r>
-              <a:rPr kumimoji="1" lang="ja-JP" altLang="en-US" sz="3200" b="1" dirty="0" smtClean="0">
+              <a:t>予報から</a:t>
+            </a:r>
+            <a:endParaRPr lang="en-US" altLang="ja-JP" sz="3200" b="1" dirty="0">
+              <a:solidFill>
+                <a:schemeClr val="accent5">
+                  <a:lumMod val="75000"/>
+                </a:schemeClr>
+              </a:solidFill>
+              <a:latin typeface="Tsukushi A Round Gothic" charset="-128"/>
+              <a:ea typeface="Tsukushi A Round Gothic" charset="-128"/>
+              <a:cs typeface="Tsukushi A Round Gothic" charset="-128"/>
+            </a:endParaRPr>
+          </a:p>
+          <a:p>
+            <a:pPr algn="ctr"/>
+            <a:r>
+              <a:rPr lang="ja-JP" altLang="en-US" sz="3200" b="1" dirty="0">
                 <a:solidFill>
                   <a:schemeClr val="accent5">
                     <a:lumMod val="75000"/>
@@ -10526,9 +10543,22 @@
                 <a:ea typeface="Tsukushi A Round Gothic" charset="-128"/>
                 <a:cs typeface="Tsukushi A Round Gothic" charset="-128"/>
               </a:rPr>
-              <a:t>似た天気の日のコーディネートを提案</a:t>
-            </a:r>
-            <a:endParaRPr kumimoji="1" lang="ja-JP" altLang="en-US" sz="3200" b="1" dirty="0">
+              <a:t>不快度指数</a:t>
+            </a:r>
+            <a:r>
+              <a:rPr lang="ja-JP" altLang="en-US" sz="3200" b="1" dirty="0" smtClean="0">
+                <a:solidFill>
+                  <a:schemeClr val="accent5">
+                    <a:lumMod val="75000"/>
+                  </a:schemeClr>
+                </a:solidFill>
+                <a:latin typeface="Tsukushi A Round Gothic" charset="-128"/>
+                <a:ea typeface="Tsukushi A Round Gothic" charset="-128"/>
+                <a:cs typeface="Tsukushi A Round Gothic" charset="-128"/>
+              </a:rPr>
+              <a:t>を計算</a:t>
+            </a:r>
+            <a:endParaRPr lang="ja-JP" altLang="en-US" sz="3200" b="1" dirty="0">
               <a:solidFill>
                 <a:schemeClr val="accent5">
                   <a:lumMod val="75000"/>
@@ -10549,13 +10579,13 @@
         </p:nvSpPr>
         <p:spPr>
           <a:xfrm>
-            <a:off x="4181475" y="365125"/>
-            <a:ext cx="5013960" cy="3261360"/>
+            <a:off x="4181474" y="365124"/>
+            <a:ext cx="6681597" cy="3310763"/>
           </a:xfrm>
           <a:prstGeom prst="cloudCallout">
             <a:avLst>
-              <a:gd name="adj1" fmla="val 35763"/>
-              <a:gd name="adj2" fmla="val 72220"/>
+              <a:gd name="adj1" fmla="val -5293"/>
+              <a:gd name="adj2" fmla="val 73754"/>
             </a:avLst>
           </a:prstGeom>
           <a:solidFill>
@@ -10589,7 +10619,7 @@
           <a:p>
             <a:pPr algn="ctr"/>
             <a:r>
-              <a:rPr kumimoji="1" lang="ja-JP" altLang="en-US" sz="3200" b="1" dirty="0" smtClean="0">
+              <a:rPr lang="ja-JP" altLang="en-US" sz="3200" b="1">
                 <a:solidFill>
                   <a:schemeClr val="accent5">
                     <a:lumMod val="75000"/>
@@ -10599,59 +10629,7 @@
                 <a:ea typeface="Tsukushi A Round Gothic" charset="-128"/>
                 <a:cs typeface="Tsukushi A Round Gothic" charset="-128"/>
               </a:rPr>
-              <a:t>予報から</a:t>
-            </a:r>
-            <a:endParaRPr kumimoji="1" lang="en-US" altLang="ja-JP" sz="3200" b="1" dirty="0" smtClean="0">
-              <a:solidFill>
-                <a:schemeClr val="accent5">
-                  <a:lumMod val="75000"/>
-                </a:schemeClr>
-              </a:solidFill>
-              <a:latin typeface="Tsukushi A Round Gothic" charset="-128"/>
-              <a:ea typeface="Tsukushi A Round Gothic" charset="-128"/>
-              <a:cs typeface="Tsukushi A Round Gothic" charset="-128"/>
-            </a:endParaRPr>
-          </a:p>
-          <a:p>
-            <a:pPr algn="ctr"/>
-            <a:r>
-              <a:rPr lang="ja-JP" altLang="en-US" sz="3200" b="1" dirty="0" smtClean="0">
-                <a:solidFill>
-                  <a:schemeClr val="accent5">
-                    <a:lumMod val="75000"/>
-                  </a:schemeClr>
-                </a:solidFill>
-                <a:latin typeface="Tsukushi A Round Gothic" charset="-128"/>
-                <a:ea typeface="Tsukushi A Round Gothic" charset="-128"/>
-                <a:cs typeface="Tsukushi A Round Gothic" charset="-128"/>
-              </a:rPr>
-              <a:t>不快度指数を</a:t>
-            </a:r>
-            <a:endParaRPr lang="en-US" altLang="ja-JP" sz="3200" b="1" dirty="0" smtClean="0">
-              <a:solidFill>
-                <a:schemeClr val="accent5">
-                  <a:lumMod val="75000"/>
-                </a:schemeClr>
-              </a:solidFill>
-              <a:latin typeface="Tsukushi A Round Gothic" charset="-128"/>
-              <a:ea typeface="Tsukushi A Round Gothic" charset="-128"/>
-              <a:cs typeface="Tsukushi A Round Gothic" charset="-128"/>
-            </a:endParaRPr>
-          </a:p>
-          <a:p>
-            <a:pPr algn="ctr"/>
-            <a:r>
-              <a:rPr lang="ja-JP" altLang="en-US" sz="3200" b="1" dirty="0" smtClean="0">
-                <a:solidFill>
-                  <a:schemeClr val="accent5">
-                    <a:lumMod val="75000"/>
-                  </a:schemeClr>
-                </a:solidFill>
-                <a:latin typeface="Tsukushi A Round Gothic" charset="-128"/>
-                <a:ea typeface="Tsukushi A Round Gothic" charset="-128"/>
-                <a:cs typeface="Tsukushi A Round Gothic" charset="-128"/>
-              </a:rPr>
-              <a:t>計算</a:t>
+              <a:t>過去の似た天気の日のコーディネートを提案</a:t>
             </a:r>
             <a:endParaRPr kumimoji="1" lang="ja-JP" altLang="en-US" sz="3200" b="1" dirty="0">
               <a:solidFill>

--- a/powerpoints/発表用メイン.pptx
+++ b/powerpoints/発表用メイン.pptx
@@ -221,8 +221,8 @@
         </c:dLbls>
         <c:marker val="1"/>
         <c:smooth val="0"/>
-        <c:axId val="129129248"/>
-        <c:axId val="129849472"/>
+        <c:axId val="-2008062576"/>
+        <c:axId val="-2008060528"/>
       </c:lineChart>
       <c:lineChart>
         <c:grouping val="standard"/>
@@ -300,11 +300,11 @@
         </c:dLbls>
         <c:marker val="1"/>
         <c:smooth val="0"/>
-        <c:axId val="129656336"/>
-        <c:axId val="129158880"/>
+        <c:axId val="-2008084256"/>
+        <c:axId val="-2008086304"/>
       </c:lineChart>
       <c:catAx>
-        <c:axId val="129129248"/>
+        <c:axId val="-2008062576"/>
         <c:scaling>
           <c:orientation val="minMax"/>
         </c:scaling>
@@ -344,7 +344,7 @@
             <a:endParaRPr lang="ja-JP"/>
           </a:p>
         </c:txPr>
-        <c:crossAx val="129849472"/>
+        <c:crossAx val="-2008060528"/>
         <c:crosses val="autoZero"/>
         <c:auto val="1"/>
         <c:lblAlgn val="ctr"/>
@@ -352,7 +352,7 @@
         <c:noMultiLvlLbl val="0"/>
       </c:catAx>
       <c:valAx>
-        <c:axId val="129849472"/>
+        <c:axId val="-2008060528"/>
         <c:scaling>
           <c:orientation val="minMax"/>
           <c:min val="0.0"/>
@@ -403,12 +403,12 @@
             <a:endParaRPr lang="ja-JP"/>
           </a:p>
         </c:txPr>
-        <c:crossAx val="129129248"/>
+        <c:crossAx val="-2008062576"/>
         <c:crosses val="autoZero"/>
         <c:crossBetween val="between"/>
       </c:valAx>
       <c:valAx>
-        <c:axId val="129158880"/>
+        <c:axId val="-2008086304"/>
         <c:scaling>
           <c:orientation val="minMax"/>
           <c:max val="20.0"/>
@@ -416,6 +416,7 @@
         </c:scaling>
         <c:delete val="0"/>
         <c:axPos val="r"/>
+        <c:numFmt formatCode="General" sourceLinked="0"/>
         <c:majorTickMark val="out"/>
         <c:minorTickMark val="none"/>
         <c:tickLblPos val="nextTo"/>
@@ -443,12 +444,12 @@
             <a:endParaRPr lang="ja-JP"/>
           </a:p>
         </c:txPr>
-        <c:crossAx val="129656336"/>
+        <c:crossAx val="-2008084256"/>
         <c:crosses val="max"/>
         <c:crossBetween val="between"/>
       </c:valAx>
       <c:catAx>
-        <c:axId val="129656336"/>
+        <c:axId val="-2008084256"/>
         <c:scaling>
           <c:orientation val="minMax"/>
         </c:scaling>
@@ -458,7 +459,7 @@
         <c:majorTickMark val="out"/>
         <c:minorTickMark val="none"/>
         <c:tickLblPos val="nextTo"/>
-        <c:crossAx val="129158880"/>
+        <c:crossAx val="-2008086304"/>
         <c:crosses val="autoZero"/>
         <c:auto val="1"/>
         <c:lblAlgn val="ctr"/>
@@ -595,8 +596,8 @@
         </c:dLbls>
         <c:marker val="1"/>
         <c:smooth val="0"/>
-        <c:axId val="91415664"/>
-        <c:axId val="91417024"/>
+        <c:axId val="-1935582464"/>
+        <c:axId val="-1935579712"/>
       </c:lineChart>
       <c:lineChart>
         <c:grouping val="standard"/>
@@ -674,11 +675,11 @@
         </c:dLbls>
         <c:marker val="1"/>
         <c:smooth val="0"/>
-        <c:axId val="92021536"/>
-        <c:axId val="92019760"/>
+        <c:axId val="-1935574240"/>
+        <c:axId val="-1935576720"/>
       </c:lineChart>
       <c:catAx>
-        <c:axId val="91415664"/>
+        <c:axId val="-1935582464"/>
         <c:scaling>
           <c:orientation val="minMax"/>
         </c:scaling>
@@ -718,7 +719,7 @@
             <a:endParaRPr lang="ja-JP"/>
           </a:p>
         </c:txPr>
-        <c:crossAx val="91417024"/>
+        <c:crossAx val="-1935579712"/>
         <c:crosses val="autoZero"/>
         <c:auto val="1"/>
         <c:lblAlgn val="ctr"/>
@@ -726,7 +727,7 @@
         <c:noMultiLvlLbl val="0"/>
       </c:catAx>
       <c:valAx>
-        <c:axId val="91417024"/>
+        <c:axId val="-1935579712"/>
         <c:scaling>
           <c:orientation val="minMax"/>
           <c:min val="0.0"/>
@@ -777,12 +778,12 @@
             <a:endParaRPr lang="ja-JP"/>
           </a:p>
         </c:txPr>
-        <c:crossAx val="91415664"/>
+        <c:crossAx val="-1935582464"/>
         <c:crosses val="autoZero"/>
         <c:crossBetween val="between"/>
       </c:valAx>
       <c:valAx>
-        <c:axId val="92019760"/>
+        <c:axId val="-1935576720"/>
         <c:scaling>
           <c:orientation val="minMax"/>
           <c:max val="20.0"/>
@@ -818,12 +819,12 @@
             <a:endParaRPr lang="ja-JP"/>
           </a:p>
         </c:txPr>
-        <c:crossAx val="92021536"/>
+        <c:crossAx val="-1935574240"/>
         <c:crosses val="max"/>
         <c:crossBetween val="between"/>
       </c:valAx>
       <c:catAx>
-        <c:axId val="92021536"/>
+        <c:axId val="-1935574240"/>
         <c:scaling>
           <c:orientation val="minMax"/>
         </c:scaling>
@@ -833,7 +834,7 @@
         <c:majorTickMark val="out"/>
         <c:minorTickMark val="none"/>
         <c:tickLblPos val="nextTo"/>
-        <c:crossAx val="92019760"/>
+        <c:crossAx val="-1935576720"/>
         <c:crosses val="autoZero"/>
         <c:auto val="1"/>
         <c:lblAlgn val="ctr"/>
@@ -970,8 +971,8 @@
         </c:dLbls>
         <c:marker val="1"/>
         <c:smooth val="0"/>
-        <c:axId val="160013888"/>
-        <c:axId val="160015664"/>
+        <c:axId val="-1967057040"/>
+        <c:axId val="-1967054720"/>
       </c:lineChart>
       <c:lineChart>
         <c:grouping val="standard"/>
@@ -1049,11 +1050,11 @@
         </c:dLbls>
         <c:marker val="1"/>
         <c:smooth val="0"/>
-        <c:axId val="160020816"/>
-        <c:axId val="160018496"/>
+        <c:axId val="-1967043024"/>
+        <c:axId val="-1967051888"/>
       </c:lineChart>
       <c:catAx>
-        <c:axId val="160013888"/>
+        <c:axId val="-1967057040"/>
         <c:scaling>
           <c:orientation val="minMax"/>
         </c:scaling>
@@ -1093,7 +1094,7 @@
             <a:endParaRPr lang="ja-JP"/>
           </a:p>
         </c:txPr>
-        <c:crossAx val="160015664"/>
+        <c:crossAx val="-1967054720"/>
         <c:crosses val="autoZero"/>
         <c:auto val="1"/>
         <c:lblAlgn val="ctr"/>
@@ -1101,7 +1102,7 @@
         <c:noMultiLvlLbl val="0"/>
       </c:catAx>
       <c:valAx>
-        <c:axId val="160015664"/>
+        <c:axId val="-1967054720"/>
         <c:scaling>
           <c:orientation val="minMax"/>
           <c:min val="0.0"/>
@@ -1152,12 +1153,12 @@
             <a:endParaRPr lang="ja-JP"/>
           </a:p>
         </c:txPr>
-        <c:crossAx val="160013888"/>
+        <c:crossAx val="-1967057040"/>
         <c:crosses val="autoZero"/>
         <c:crossBetween val="between"/>
       </c:valAx>
       <c:valAx>
-        <c:axId val="160018496"/>
+        <c:axId val="-1967051888"/>
         <c:scaling>
           <c:orientation val="minMax"/>
           <c:max val="20.0"/>
@@ -1193,12 +1194,12 @@
             <a:endParaRPr lang="ja-JP"/>
           </a:p>
         </c:txPr>
-        <c:crossAx val="160020816"/>
+        <c:crossAx val="-1967043024"/>
         <c:crosses val="max"/>
         <c:crossBetween val="between"/>
       </c:valAx>
       <c:catAx>
-        <c:axId val="160020816"/>
+        <c:axId val="-1967043024"/>
         <c:scaling>
           <c:orientation val="minMax"/>
         </c:scaling>
@@ -1208,7 +1209,7 @@
         <c:majorTickMark val="out"/>
         <c:minorTickMark val="none"/>
         <c:tickLblPos val="nextTo"/>
-        <c:crossAx val="160018496"/>
+        <c:crossAx val="-1967051888"/>
         <c:crosses val="autoZero"/>
         <c:auto val="1"/>
         <c:lblAlgn val="ctr"/>
@@ -3002,7 +3003,7 @@
           <a:p>
             <a:fld id="{7D770002-B7F2-DD42-87E5-850CA398C357}" type="datetimeFigureOut">
               <a:rPr kumimoji="1" lang="ja-JP" altLang="en-US" smtClean="0"/>
-              <a:t>2017/11/10</a:t>
+              <a:t>2017/11/11</a:t>
             </a:fld>
             <a:endParaRPr kumimoji="1" lang="ja-JP" altLang="en-US"/>
           </a:p>
@@ -4224,7 +4225,7 @@
           <a:p>
             <a:fld id="{881951D6-20B5-E143-92C6-EBCE0BC4BCBB}" type="datetimeFigureOut">
               <a:rPr kumimoji="1" lang="ja-JP" altLang="en-US" smtClean="0"/>
-              <a:t>2017/11/10</a:t>
+              <a:t>2017/11/11</a:t>
             </a:fld>
             <a:endParaRPr kumimoji="1" lang="ja-JP" altLang="en-US"/>
           </a:p>
@@ -4433,7 +4434,7 @@
           <a:p>
             <a:fld id="{881951D6-20B5-E143-92C6-EBCE0BC4BCBB}" type="datetimeFigureOut">
               <a:rPr kumimoji="1" lang="ja-JP" altLang="en-US" smtClean="0"/>
-              <a:t>2017/11/10</a:t>
+              <a:t>2017/11/11</a:t>
             </a:fld>
             <a:endParaRPr kumimoji="1" lang="ja-JP" altLang="en-US"/>
           </a:p>
@@ -4645,7 +4646,7 @@
           <a:p>
             <a:fld id="{881951D6-20B5-E143-92C6-EBCE0BC4BCBB}" type="datetimeFigureOut">
               <a:rPr kumimoji="1" lang="ja-JP" altLang="en-US" smtClean="0"/>
-              <a:t>2017/11/10</a:t>
+              <a:t>2017/11/11</a:t>
             </a:fld>
             <a:endParaRPr kumimoji="1" lang="ja-JP" altLang="en-US"/>
           </a:p>
@@ -4847,7 +4848,7 @@
           <a:p>
             <a:fld id="{881951D6-20B5-E143-92C6-EBCE0BC4BCBB}" type="datetimeFigureOut">
               <a:rPr kumimoji="1" lang="ja-JP" altLang="en-US" smtClean="0"/>
-              <a:t>2017/11/10</a:t>
+              <a:t>2017/11/11</a:t>
             </a:fld>
             <a:endParaRPr kumimoji="1" lang="ja-JP" altLang="en-US"/>
           </a:p>
@@ -5100,7 +5101,7 @@
           <a:p>
             <a:fld id="{881951D6-20B5-E143-92C6-EBCE0BC4BCBB}" type="datetimeFigureOut">
               <a:rPr kumimoji="1" lang="ja-JP" altLang="en-US" smtClean="0"/>
-              <a:t>2017/11/10</a:t>
+              <a:t>2017/11/11</a:t>
             </a:fld>
             <a:endParaRPr kumimoji="1" lang="ja-JP" altLang="en-US"/>
           </a:p>
@@ -5403,7 +5404,7 @@
           <a:p>
             <a:fld id="{881951D6-20B5-E143-92C6-EBCE0BC4BCBB}" type="datetimeFigureOut">
               <a:rPr kumimoji="1" lang="ja-JP" altLang="en-US" smtClean="0"/>
-              <a:t>2017/11/10</a:t>
+              <a:t>2017/11/11</a:t>
             </a:fld>
             <a:endParaRPr kumimoji="1" lang="ja-JP" altLang="en-US"/>
           </a:p>
@@ -5841,7 +5842,7 @@
           <a:p>
             <a:fld id="{881951D6-20B5-E143-92C6-EBCE0BC4BCBB}" type="datetimeFigureOut">
               <a:rPr kumimoji="1" lang="ja-JP" altLang="en-US" smtClean="0"/>
-              <a:t>2017/11/10</a:t>
+              <a:t>2017/11/11</a:t>
             </a:fld>
             <a:endParaRPr kumimoji="1" lang="ja-JP" altLang="en-US"/>
           </a:p>
@@ -5966,7 +5967,7 @@
           <a:p>
             <a:fld id="{881951D6-20B5-E143-92C6-EBCE0BC4BCBB}" type="datetimeFigureOut">
               <a:rPr kumimoji="1" lang="ja-JP" altLang="en-US" smtClean="0"/>
-              <a:t>2017/11/10</a:t>
+              <a:t>2017/11/11</a:t>
             </a:fld>
             <a:endParaRPr kumimoji="1" lang="ja-JP" altLang="en-US"/>
           </a:p>
@@ -6061,7 +6062,7 @@
           <a:p>
             <a:fld id="{881951D6-20B5-E143-92C6-EBCE0BC4BCBB}" type="datetimeFigureOut">
               <a:rPr kumimoji="1" lang="ja-JP" altLang="en-US" smtClean="0"/>
-              <a:t>2017/11/10</a:t>
+              <a:t>2017/11/11</a:t>
             </a:fld>
             <a:endParaRPr kumimoji="1" lang="ja-JP" altLang="en-US"/>
           </a:p>
@@ -6377,7 +6378,7 @@
           <a:p>
             <a:fld id="{881951D6-20B5-E143-92C6-EBCE0BC4BCBB}" type="datetimeFigureOut">
               <a:rPr kumimoji="1" lang="ja-JP" altLang="en-US" smtClean="0"/>
-              <a:t>2017/11/10</a:t>
+              <a:t>2017/11/11</a:t>
             </a:fld>
             <a:endParaRPr kumimoji="1" lang="ja-JP" altLang="en-US"/>
           </a:p>
@@ -6630,7 +6631,7 @@
           <a:p>
             <a:fld id="{881951D6-20B5-E143-92C6-EBCE0BC4BCBB}" type="datetimeFigureOut">
               <a:rPr kumimoji="1" lang="ja-JP" altLang="en-US" smtClean="0"/>
-              <a:t>2017/11/10</a:t>
+              <a:t>2017/11/11</a:t>
             </a:fld>
             <a:endParaRPr kumimoji="1" lang="ja-JP" altLang="en-US"/>
           </a:p>
@@ -6878,7 +6879,7 @@
           <a:p>
             <a:fld id="{881951D6-20B5-E143-92C6-EBCE0BC4BCBB}" type="datetimeFigureOut">
               <a:rPr kumimoji="1" lang="ja-JP" altLang="en-US" smtClean="0"/>
-              <a:t>2017/11/10</a:t>
+              <a:t>2017/11/11</a:t>
             </a:fld>
             <a:endParaRPr kumimoji="1" lang="ja-JP" altLang="en-US"/>
           </a:p>
@@ -7406,11 +7407,7 @@
           <a:p>
             <a:r>
               <a:rPr kumimoji="1" lang="ja-JP" altLang="en-US" dirty="0" smtClean="0"/>
-              <a:t>使用技術</a:t>
-            </a:r>
-            <a:r>
-              <a:rPr kumimoji="1" lang="ja-JP" altLang="en-US" dirty="0" smtClean="0"/>
-              <a:t>・文章生成</a:t>
+              <a:t>使用技術・文章生成</a:t>
             </a:r>
             <a:endParaRPr kumimoji="1" lang="ja-JP" altLang="en-US" dirty="0"/>
           </a:p>
@@ -13453,7 +13450,7 @@
           <a:p>
             <a:pPr algn="ctr"/>
             <a:r>
-              <a:rPr lang="ja-JP" altLang="en-US" sz="3600" b="1" smtClean="0">
+              <a:rPr lang="ja-JP" altLang="en-US" sz="3600" b="1" dirty="0" smtClean="0">
                 <a:solidFill>
                   <a:schemeClr val="accent5">
                     <a:lumMod val="75000"/>
@@ -13466,19 +13463,6 @@
               <a:t>ユーザー</a:t>
             </a:r>
             <a:r>
-              <a:rPr kumimoji="1" lang="ja-JP" altLang="en-US" sz="3600" b="1" smtClean="0">
-                <a:solidFill>
-                  <a:schemeClr val="accent5">
-                    <a:lumMod val="75000"/>
-                  </a:schemeClr>
-                </a:solidFill>
-                <a:latin typeface="Tsukushi A Round Gothic" charset="-128"/>
-                <a:ea typeface="Tsukushi A Round Gothic" charset="-128"/>
-                <a:cs typeface="Tsukushi A Round Gothic" charset="-128"/>
-              </a:rPr>
-              <a:t>データ</a:t>
-            </a:r>
-            <a:r>
               <a:rPr kumimoji="1" lang="ja-JP" altLang="en-US" sz="3600" b="1" dirty="0" smtClean="0">
                 <a:solidFill>
                   <a:schemeClr val="accent5">
@@ -13489,7 +13473,7 @@
                 <a:ea typeface="Tsukushi A Round Gothic" charset="-128"/>
                 <a:cs typeface="Tsukushi A Round Gothic" charset="-128"/>
               </a:rPr>
-              <a:t>の</a:t>
+              <a:t>データの</a:t>
             </a:r>
             <a:endParaRPr kumimoji="1" lang="en-US" altLang="ja-JP" sz="3600" b="1" dirty="0" smtClean="0">
               <a:solidFill>

--- a/powerpoints/発表用メイン.pptx
+++ b/powerpoints/発表用メイン.pptx
@@ -221,8 +221,8 @@
         </c:dLbls>
         <c:marker val="1"/>
         <c:smooth val="0"/>
-        <c:axId val="-2008062576"/>
-        <c:axId val="-2008060528"/>
+        <c:axId val="-1934383776"/>
+        <c:axId val="-1886696496"/>
       </c:lineChart>
       <c:lineChart>
         <c:grouping val="standard"/>
@@ -300,11 +300,11 @@
         </c:dLbls>
         <c:marker val="1"/>
         <c:smooth val="0"/>
-        <c:axId val="-2008084256"/>
-        <c:axId val="-2008086304"/>
+        <c:axId val="-2006203792"/>
+        <c:axId val="-2006348848"/>
       </c:lineChart>
       <c:catAx>
-        <c:axId val="-2008062576"/>
+        <c:axId val="-1934383776"/>
         <c:scaling>
           <c:orientation val="minMax"/>
         </c:scaling>
@@ -344,7 +344,7 @@
             <a:endParaRPr lang="ja-JP"/>
           </a:p>
         </c:txPr>
-        <c:crossAx val="-2008060528"/>
+        <c:crossAx val="-1886696496"/>
         <c:crosses val="autoZero"/>
         <c:auto val="1"/>
         <c:lblAlgn val="ctr"/>
@@ -352,7 +352,7 @@
         <c:noMultiLvlLbl val="0"/>
       </c:catAx>
       <c:valAx>
-        <c:axId val="-2008060528"/>
+        <c:axId val="-1886696496"/>
         <c:scaling>
           <c:orientation val="minMax"/>
           <c:min val="0.0"/>
@@ -403,12 +403,12 @@
             <a:endParaRPr lang="ja-JP"/>
           </a:p>
         </c:txPr>
-        <c:crossAx val="-2008062576"/>
+        <c:crossAx val="-1934383776"/>
         <c:crosses val="autoZero"/>
         <c:crossBetween val="between"/>
       </c:valAx>
       <c:valAx>
-        <c:axId val="-2008086304"/>
+        <c:axId val="-2006348848"/>
         <c:scaling>
           <c:orientation val="minMax"/>
           <c:max val="20.0"/>
@@ -444,12 +444,12 @@
             <a:endParaRPr lang="ja-JP"/>
           </a:p>
         </c:txPr>
-        <c:crossAx val="-2008084256"/>
+        <c:crossAx val="-2006203792"/>
         <c:crosses val="max"/>
         <c:crossBetween val="between"/>
       </c:valAx>
       <c:catAx>
-        <c:axId val="-2008084256"/>
+        <c:axId val="-2006203792"/>
         <c:scaling>
           <c:orientation val="minMax"/>
         </c:scaling>
@@ -459,7 +459,7 @@
         <c:majorTickMark val="out"/>
         <c:minorTickMark val="none"/>
         <c:tickLblPos val="nextTo"/>
-        <c:crossAx val="-2008086304"/>
+        <c:crossAx val="-2006348848"/>
         <c:crosses val="autoZero"/>
         <c:auto val="1"/>
         <c:lblAlgn val="ctr"/>
@@ -596,8 +596,8 @@
         </c:dLbls>
         <c:marker val="1"/>
         <c:smooth val="0"/>
-        <c:axId val="-1935582464"/>
-        <c:axId val="-1935579712"/>
+        <c:axId val="-1885836144"/>
+        <c:axId val="-1885833824"/>
       </c:lineChart>
       <c:lineChart>
         <c:grouping val="standard"/>
@@ -675,11 +675,11 @@
         </c:dLbls>
         <c:marker val="1"/>
         <c:smooth val="0"/>
-        <c:axId val="-1935574240"/>
-        <c:axId val="-1935576720"/>
+        <c:axId val="-1885923696"/>
+        <c:axId val="-1885926016"/>
       </c:lineChart>
       <c:catAx>
-        <c:axId val="-1935582464"/>
+        <c:axId val="-1885836144"/>
         <c:scaling>
           <c:orientation val="minMax"/>
         </c:scaling>
@@ -719,7 +719,7 @@
             <a:endParaRPr lang="ja-JP"/>
           </a:p>
         </c:txPr>
-        <c:crossAx val="-1935579712"/>
+        <c:crossAx val="-1885833824"/>
         <c:crosses val="autoZero"/>
         <c:auto val="1"/>
         <c:lblAlgn val="ctr"/>
@@ -727,7 +727,7 @@
         <c:noMultiLvlLbl val="0"/>
       </c:catAx>
       <c:valAx>
-        <c:axId val="-1935579712"/>
+        <c:axId val="-1885833824"/>
         <c:scaling>
           <c:orientation val="minMax"/>
           <c:min val="0.0"/>
@@ -778,12 +778,12 @@
             <a:endParaRPr lang="ja-JP"/>
           </a:p>
         </c:txPr>
-        <c:crossAx val="-1935582464"/>
+        <c:crossAx val="-1885836144"/>
         <c:crosses val="autoZero"/>
         <c:crossBetween val="between"/>
       </c:valAx>
       <c:valAx>
-        <c:axId val="-1935576720"/>
+        <c:axId val="-1885926016"/>
         <c:scaling>
           <c:orientation val="minMax"/>
           <c:max val="20.0"/>
@@ -819,12 +819,12 @@
             <a:endParaRPr lang="ja-JP"/>
           </a:p>
         </c:txPr>
-        <c:crossAx val="-1935574240"/>
+        <c:crossAx val="-1885923696"/>
         <c:crosses val="max"/>
         <c:crossBetween val="between"/>
       </c:valAx>
       <c:catAx>
-        <c:axId val="-1935574240"/>
+        <c:axId val="-1885923696"/>
         <c:scaling>
           <c:orientation val="minMax"/>
         </c:scaling>
@@ -834,7 +834,7 @@
         <c:majorTickMark val="out"/>
         <c:minorTickMark val="none"/>
         <c:tickLblPos val="nextTo"/>
-        <c:crossAx val="-1935576720"/>
+        <c:crossAx val="-1885926016"/>
         <c:crosses val="autoZero"/>
         <c:auto val="1"/>
         <c:lblAlgn val="ctr"/>
@@ -971,8 +971,8 @@
         </c:dLbls>
         <c:marker val="1"/>
         <c:smooth val="0"/>
-        <c:axId val="-1967057040"/>
-        <c:axId val="-1967054720"/>
+        <c:axId val="-1885711360"/>
+        <c:axId val="-1885709312"/>
       </c:lineChart>
       <c:lineChart>
         <c:grouping val="standard"/>
@@ -1050,11 +1050,11 @@
         </c:dLbls>
         <c:marker val="1"/>
         <c:smooth val="0"/>
-        <c:axId val="-1967043024"/>
-        <c:axId val="-1967051888"/>
+        <c:axId val="-1885704160"/>
+        <c:axId val="-1885706480"/>
       </c:lineChart>
       <c:catAx>
-        <c:axId val="-1967057040"/>
+        <c:axId val="-1885711360"/>
         <c:scaling>
           <c:orientation val="minMax"/>
         </c:scaling>
@@ -1094,7 +1094,7 @@
             <a:endParaRPr lang="ja-JP"/>
           </a:p>
         </c:txPr>
-        <c:crossAx val="-1967054720"/>
+        <c:crossAx val="-1885709312"/>
         <c:crosses val="autoZero"/>
         <c:auto val="1"/>
         <c:lblAlgn val="ctr"/>
@@ -1102,7 +1102,7 @@
         <c:noMultiLvlLbl val="0"/>
       </c:catAx>
       <c:valAx>
-        <c:axId val="-1967054720"/>
+        <c:axId val="-1885709312"/>
         <c:scaling>
           <c:orientation val="minMax"/>
           <c:min val="0.0"/>
@@ -1153,12 +1153,12 @@
             <a:endParaRPr lang="ja-JP"/>
           </a:p>
         </c:txPr>
-        <c:crossAx val="-1967057040"/>
+        <c:crossAx val="-1885711360"/>
         <c:crosses val="autoZero"/>
         <c:crossBetween val="between"/>
       </c:valAx>
       <c:valAx>
-        <c:axId val="-1967051888"/>
+        <c:axId val="-1885706480"/>
         <c:scaling>
           <c:orientation val="minMax"/>
           <c:max val="20.0"/>
@@ -1194,12 +1194,12 @@
             <a:endParaRPr lang="ja-JP"/>
           </a:p>
         </c:txPr>
-        <c:crossAx val="-1967043024"/>
+        <c:crossAx val="-1885704160"/>
         <c:crosses val="max"/>
         <c:crossBetween val="between"/>
       </c:valAx>
       <c:catAx>
-        <c:axId val="-1967043024"/>
+        <c:axId val="-1885704160"/>
         <c:scaling>
           <c:orientation val="minMax"/>
         </c:scaling>
@@ -1209,7 +1209,7 @@
         <c:majorTickMark val="out"/>
         <c:minorTickMark val="none"/>
         <c:tickLblPos val="nextTo"/>
-        <c:crossAx val="-1967051888"/>
+        <c:crossAx val="-1885706480"/>
         <c:crosses val="autoZero"/>
         <c:auto val="1"/>
         <c:lblAlgn val="ctr"/>
@@ -11057,7 +11057,7 @@
                 <a:ea typeface="Tsukushi A Round Gothic" charset="-128"/>
                 <a:cs typeface="Tsukushi A Round Gothic" charset="-128"/>
               </a:rPr>
-              <a:t>コードを</a:t>
+              <a:t>コードから</a:t>
             </a:r>
             <a:endParaRPr kumimoji="1" lang="en-US" altLang="ja-JP" sz="3600" b="1" dirty="0" smtClean="0">
               <a:solidFill>
@@ -11073,7 +11073,7 @@
           <a:p>
             <a:pPr algn="ctr"/>
             <a:r>
-              <a:rPr kumimoji="1" lang="ja-JP" altLang="en-US" sz="3600" b="1" dirty="0" smtClean="0">
+              <a:rPr lang="ja-JP" altLang="en-US" sz="3600" b="1" dirty="0" smtClean="0">
                 <a:solidFill>
                   <a:schemeClr val="accent5">
                     <a:lumMod val="75000"/>
@@ -11083,7 +11083,7 @@
                 <a:ea typeface="Tsukushi A Round Gothic" charset="-128"/>
                 <a:cs typeface="Tsukushi A Round Gothic" charset="-128"/>
               </a:rPr>
-              <a:t>読み込む</a:t>
+              <a:t>友達追加</a:t>
             </a:r>
             <a:endParaRPr kumimoji="1" lang="en-US" altLang="ja-JP" sz="3600" b="1" dirty="0" smtClean="0">
               <a:solidFill>
@@ -11173,7 +11173,7 @@
           <a:p>
             <a:pPr algn="ctr"/>
             <a:r>
-              <a:rPr kumimoji="1" lang="ja-JP" altLang="en-US" sz="3600" b="1" dirty="0" smtClean="0">
+              <a:rPr lang="ja-JP" altLang="en-US" sz="3600" b="1" dirty="0" smtClean="0">
                 <a:solidFill>
                   <a:schemeClr val="accent5">
                     <a:lumMod val="75000"/>
@@ -11183,7 +11183,33 @@
                 <a:ea typeface="Tsukushi A Round Gothic" charset="-128"/>
                 <a:cs typeface="Tsukushi A Round Gothic" charset="-128"/>
               </a:rPr>
-              <a:t>友達追加</a:t>
+              <a:t>タッチで</a:t>
+            </a:r>
+            <a:endParaRPr lang="en-US" altLang="ja-JP" sz="3600" b="1" dirty="0" smtClean="0">
+              <a:solidFill>
+                <a:schemeClr val="accent5">
+                  <a:lumMod val="75000"/>
+                </a:schemeClr>
+              </a:solidFill>
+              <a:latin typeface="Tsukushi A Round Gothic" charset="-128"/>
+              <a:ea typeface="Tsukushi A Round Gothic" charset="-128"/>
+              <a:cs typeface="Tsukushi A Round Gothic" charset="-128"/>
+            </a:endParaRPr>
+          </a:p>
+          <a:p>
+            <a:pPr algn="ctr"/>
+            <a:r>
+              <a:rPr lang="ja-JP" altLang="en-US" sz="3600" b="1" dirty="0" smtClean="0">
+                <a:solidFill>
+                  <a:schemeClr val="accent5">
+                    <a:lumMod val="75000"/>
+                  </a:schemeClr>
+                </a:solidFill>
+                <a:latin typeface="Tsukushi A Round Gothic" charset="-128"/>
+                <a:ea typeface="Tsukushi A Round Gothic" charset="-128"/>
+                <a:cs typeface="Tsukushi A Round Gothic" charset="-128"/>
+              </a:rPr>
+              <a:t>性別を選択</a:t>
             </a:r>
             <a:endParaRPr kumimoji="1" lang="ja-JP" altLang="en-US" sz="3600" b="1" dirty="0">
               <a:solidFill>
@@ -11272,6 +11298,19 @@
           <a:p>
             <a:pPr algn="ctr"/>
             <a:r>
+              <a:rPr lang="ja-JP" altLang="en-US" sz="3600" b="1" dirty="0" smtClean="0">
+                <a:solidFill>
+                  <a:schemeClr val="accent5">
+                    <a:lumMod val="75000"/>
+                  </a:schemeClr>
+                </a:solidFill>
+                <a:latin typeface="Tsukushi A Round Gothic" charset="-128"/>
+                <a:ea typeface="Tsukushi A Round Gothic" charset="-128"/>
+                <a:cs typeface="Tsukushi A Round Gothic" charset="-128"/>
+              </a:rPr>
+              <a:t>地域</a:t>
+            </a:r>
+            <a:r>
               <a:rPr kumimoji="1" lang="ja-JP" altLang="en-US" sz="3600" b="1" dirty="0" smtClean="0">
                 <a:solidFill>
                   <a:schemeClr val="accent5">
@@ -11282,7 +11321,20 @@
                 <a:ea typeface="Tsukushi A Round Gothic" charset="-128"/>
                 <a:cs typeface="Tsukushi A Round Gothic" charset="-128"/>
               </a:rPr>
-              <a:t>性別を選択</a:t>
+              <a:t>を</a:t>
+            </a:r>
+            <a:r>
+              <a:rPr kumimoji="1" lang="ja-JP" altLang="en-US" sz="3600" b="1" dirty="0" smtClean="0">
+                <a:solidFill>
+                  <a:schemeClr val="accent5">
+                    <a:lumMod val="75000"/>
+                  </a:schemeClr>
+                </a:solidFill>
+                <a:latin typeface="Tsukushi A Round Gothic" charset="-128"/>
+                <a:ea typeface="Tsukushi A Round Gothic" charset="-128"/>
+                <a:cs typeface="Tsukushi A Round Gothic" charset="-128"/>
+              </a:rPr>
+              <a:t>選択</a:t>
             </a:r>
             <a:endParaRPr kumimoji="1" lang="ja-JP" altLang="en-US" sz="3600" b="1" dirty="0">
               <a:solidFill>
@@ -11371,6 +11423,19 @@
           <a:p>
             <a:pPr algn="ctr"/>
             <a:r>
+              <a:rPr lang="ja-JP" altLang="en-US" sz="3600" b="1" dirty="0" smtClean="0">
+                <a:solidFill>
+                  <a:schemeClr val="accent5">
+                    <a:lumMod val="75000"/>
+                  </a:schemeClr>
+                </a:solidFill>
+                <a:latin typeface="Tsukushi A Round Gothic" charset="-128"/>
+                <a:ea typeface="Tsukushi A Round Gothic" charset="-128"/>
+                <a:cs typeface="Tsukushi A Round Gothic" charset="-128"/>
+              </a:rPr>
+              <a:t>通知時間</a:t>
+            </a:r>
+            <a:r>
               <a:rPr kumimoji="1" lang="ja-JP" altLang="en-US" sz="3600" b="1" dirty="0" smtClean="0">
                 <a:solidFill>
                   <a:schemeClr val="accent5">
@@ -11381,7 +11446,20 @@
                 <a:ea typeface="Tsukushi A Round Gothic" charset="-128"/>
                 <a:cs typeface="Tsukushi A Round Gothic" charset="-128"/>
               </a:rPr>
-              <a:t>地域を選択</a:t>
+              <a:t>を</a:t>
+            </a:r>
+            <a:r>
+              <a:rPr kumimoji="1" lang="ja-JP" altLang="en-US" sz="3600" b="1" dirty="0" smtClean="0">
+                <a:solidFill>
+                  <a:schemeClr val="accent5">
+                    <a:lumMod val="75000"/>
+                  </a:schemeClr>
+                </a:solidFill>
+                <a:latin typeface="Tsukushi A Round Gothic" charset="-128"/>
+                <a:ea typeface="Tsukushi A Round Gothic" charset="-128"/>
+                <a:cs typeface="Tsukushi A Round Gothic" charset="-128"/>
+              </a:rPr>
+              <a:t>選択</a:t>
             </a:r>
             <a:endParaRPr kumimoji="1" lang="ja-JP" altLang="en-US" sz="3600" b="1" dirty="0">
               <a:solidFill>

--- a/powerpoints/発表用メイン.pptx
+++ b/powerpoints/発表用メイン.pptx
@@ -221,8 +221,8 @@
         </c:dLbls>
         <c:marker val="1"/>
         <c:smooth val="0"/>
-        <c:axId val="-1934383776"/>
-        <c:axId val="-1886696496"/>
+        <c:axId val="-1391440800"/>
+        <c:axId val="-1391438480"/>
       </c:lineChart>
       <c:lineChart>
         <c:grouping val="standard"/>
@@ -300,11 +300,11 @@
         </c:dLbls>
         <c:marker val="1"/>
         <c:smooth val="0"/>
-        <c:axId val="-2006203792"/>
-        <c:axId val="-2006348848"/>
+        <c:axId val="-1391433328"/>
+        <c:axId val="-1391435648"/>
       </c:lineChart>
       <c:catAx>
-        <c:axId val="-1934383776"/>
+        <c:axId val="-1391440800"/>
         <c:scaling>
           <c:orientation val="minMax"/>
         </c:scaling>
@@ -344,7 +344,7 @@
             <a:endParaRPr lang="ja-JP"/>
           </a:p>
         </c:txPr>
-        <c:crossAx val="-1886696496"/>
+        <c:crossAx val="-1391438480"/>
         <c:crosses val="autoZero"/>
         <c:auto val="1"/>
         <c:lblAlgn val="ctr"/>
@@ -352,7 +352,7 @@
         <c:noMultiLvlLbl val="0"/>
       </c:catAx>
       <c:valAx>
-        <c:axId val="-1886696496"/>
+        <c:axId val="-1391438480"/>
         <c:scaling>
           <c:orientation val="minMax"/>
           <c:min val="0.0"/>
@@ -403,12 +403,12 @@
             <a:endParaRPr lang="ja-JP"/>
           </a:p>
         </c:txPr>
-        <c:crossAx val="-1934383776"/>
+        <c:crossAx val="-1391440800"/>
         <c:crosses val="autoZero"/>
         <c:crossBetween val="between"/>
       </c:valAx>
       <c:valAx>
-        <c:axId val="-2006348848"/>
+        <c:axId val="-1391435648"/>
         <c:scaling>
           <c:orientation val="minMax"/>
           <c:max val="20.0"/>
@@ -444,12 +444,12 @@
             <a:endParaRPr lang="ja-JP"/>
           </a:p>
         </c:txPr>
-        <c:crossAx val="-2006203792"/>
+        <c:crossAx val="-1391433328"/>
         <c:crosses val="max"/>
         <c:crossBetween val="between"/>
       </c:valAx>
       <c:catAx>
-        <c:axId val="-2006203792"/>
+        <c:axId val="-1391433328"/>
         <c:scaling>
           <c:orientation val="minMax"/>
         </c:scaling>
@@ -459,7 +459,7 @@
         <c:majorTickMark val="out"/>
         <c:minorTickMark val="none"/>
         <c:tickLblPos val="nextTo"/>
-        <c:crossAx val="-2006348848"/>
+        <c:crossAx val="-1391435648"/>
         <c:crosses val="autoZero"/>
         <c:auto val="1"/>
         <c:lblAlgn val="ctr"/>
@@ -596,8 +596,8 @@
         </c:dLbls>
         <c:marker val="1"/>
         <c:smooth val="0"/>
-        <c:axId val="-1885836144"/>
-        <c:axId val="-1885833824"/>
+        <c:axId val="-1430905728"/>
+        <c:axId val="-1430903408"/>
       </c:lineChart>
       <c:lineChart>
         <c:grouping val="standard"/>
@@ -675,11 +675,11 @@
         </c:dLbls>
         <c:marker val="1"/>
         <c:smooth val="0"/>
-        <c:axId val="-1885923696"/>
-        <c:axId val="-1885926016"/>
+        <c:axId val="-1430898256"/>
+        <c:axId val="-1430900576"/>
       </c:lineChart>
       <c:catAx>
-        <c:axId val="-1885836144"/>
+        <c:axId val="-1430905728"/>
         <c:scaling>
           <c:orientation val="minMax"/>
         </c:scaling>
@@ -719,7 +719,7 @@
             <a:endParaRPr lang="ja-JP"/>
           </a:p>
         </c:txPr>
-        <c:crossAx val="-1885833824"/>
+        <c:crossAx val="-1430903408"/>
         <c:crosses val="autoZero"/>
         <c:auto val="1"/>
         <c:lblAlgn val="ctr"/>
@@ -727,7 +727,7 @@
         <c:noMultiLvlLbl val="0"/>
       </c:catAx>
       <c:valAx>
-        <c:axId val="-1885833824"/>
+        <c:axId val="-1430903408"/>
         <c:scaling>
           <c:orientation val="minMax"/>
           <c:min val="0.0"/>
@@ -778,12 +778,12 @@
             <a:endParaRPr lang="ja-JP"/>
           </a:p>
         </c:txPr>
-        <c:crossAx val="-1885836144"/>
+        <c:crossAx val="-1430905728"/>
         <c:crosses val="autoZero"/>
         <c:crossBetween val="between"/>
       </c:valAx>
       <c:valAx>
-        <c:axId val="-1885926016"/>
+        <c:axId val="-1430900576"/>
         <c:scaling>
           <c:orientation val="minMax"/>
           <c:max val="20.0"/>
@@ -819,12 +819,12 @@
             <a:endParaRPr lang="ja-JP"/>
           </a:p>
         </c:txPr>
-        <c:crossAx val="-1885923696"/>
+        <c:crossAx val="-1430898256"/>
         <c:crosses val="max"/>
         <c:crossBetween val="between"/>
       </c:valAx>
       <c:catAx>
-        <c:axId val="-1885923696"/>
+        <c:axId val="-1430898256"/>
         <c:scaling>
           <c:orientation val="minMax"/>
         </c:scaling>
@@ -834,7 +834,7 @@
         <c:majorTickMark val="out"/>
         <c:minorTickMark val="none"/>
         <c:tickLblPos val="nextTo"/>
-        <c:crossAx val="-1885926016"/>
+        <c:crossAx val="-1430900576"/>
         <c:crosses val="autoZero"/>
         <c:auto val="1"/>
         <c:lblAlgn val="ctr"/>
@@ -971,8 +971,8 @@
         </c:dLbls>
         <c:marker val="1"/>
         <c:smooth val="0"/>
-        <c:axId val="-1885711360"/>
-        <c:axId val="-1885709312"/>
+        <c:axId val="-1468378928"/>
+        <c:axId val="-1468916240"/>
       </c:lineChart>
       <c:lineChart>
         <c:grouping val="standard"/>
@@ -1050,11 +1050,11 @@
         </c:dLbls>
         <c:marker val="1"/>
         <c:smooth val="0"/>
-        <c:axId val="-1885704160"/>
-        <c:axId val="-1885706480"/>
+        <c:axId val="-1468906624"/>
+        <c:axId val="-1468397472"/>
       </c:lineChart>
       <c:catAx>
-        <c:axId val="-1885711360"/>
+        <c:axId val="-1468378928"/>
         <c:scaling>
           <c:orientation val="minMax"/>
         </c:scaling>
@@ -1094,7 +1094,7 @@
             <a:endParaRPr lang="ja-JP"/>
           </a:p>
         </c:txPr>
-        <c:crossAx val="-1885709312"/>
+        <c:crossAx val="-1468916240"/>
         <c:crosses val="autoZero"/>
         <c:auto val="1"/>
         <c:lblAlgn val="ctr"/>
@@ -1102,7 +1102,7 @@
         <c:noMultiLvlLbl val="0"/>
       </c:catAx>
       <c:valAx>
-        <c:axId val="-1885709312"/>
+        <c:axId val="-1468916240"/>
         <c:scaling>
           <c:orientation val="minMax"/>
           <c:min val="0.0"/>
@@ -1153,12 +1153,12 @@
             <a:endParaRPr lang="ja-JP"/>
           </a:p>
         </c:txPr>
-        <c:crossAx val="-1885711360"/>
+        <c:crossAx val="-1468378928"/>
         <c:crosses val="autoZero"/>
         <c:crossBetween val="between"/>
       </c:valAx>
       <c:valAx>
-        <c:axId val="-1885706480"/>
+        <c:axId val="-1468397472"/>
         <c:scaling>
           <c:orientation val="minMax"/>
           <c:max val="20.0"/>
@@ -1194,12 +1194,12 @@
             <a:endParaRPr lang="ja-JP"/>
           </a:p>
         </c:txPr>
-        <c:crossAx val="-1885704160"/>
+        <c:crossAx val="-1468906624"/>
         <c:crosses val="max"/>
         <c:crossBetween val="between"/>
       </c:valAx>
       <c:catAx>
-        <c:axId val="-1885704160"/>
+        <c:axId val="-1468906624"/>
         <c:scaling>
           <c:orientation val="minMax"/>
         </c:scaling>
@@ -1209,7 +1209,7 @@
         <c:majorTickMark val="out"/>
         <c:minorTickMark val="none"/>
         <c:tickLblPos val="nextTo"/>
-        <c:crossAx val="-1885706480"/>
+        <c:crossAx val="-1468397472"/>
         <c:crosses val="autoZero"/>
         <c:auto val="1"/>
         <c:lblAlgn val="ctr"/>
@@ -8971,9 +8971,7 @@
             <a:avLst/>
           </a:prstGeom>
           <a:solidFill>
-            <a:schemeClr val="bg1">
-              <a:lumMod val="95000"/>
-            </a:schemeClr>
+            <a:schemeClr val="bg1"/>
           </a:solidFill>
           <a:ln w="101600">
             <a:solidFill>
@@ -9485,9 +9483,7 @@
             <a:avLst/>
           </a:prstGeom>
           <a:solidFill>
-            <a:schemeClr val="bg1">
-              <a:lumMod val="95000"/>
-            </a:schemeClr>
+            <a:schemeClr val="bg1"/>
           </a:solidFill>
           <a:ln w="101600">
             <a:solidFill>
@@ -10271,9 +10267,7 @@
             <a:avLst/>
           </a:prstGeom>
           <a:solidFill>
-            <a:schemeClr val="bg1">
-              <a:lumMod val="95000"/>
-            </a:schemeClr>
+            <a:schemeClr val="bg1"/>
           </a:solidFill>
           <a:ln w="101600">
             <a:solidFill>
@@ -11321,20 +11315,7 @@
                 <a:ea typeface="Tsukushi A Round Gothic" charset="-128"/>
                 <a:cs typeface="Tsukushi A Round Gothic" charset="-128"/>
               </a:rPr>
-              <a:t>を</a:t>
-            </a:r>
-            <a:r>
-              <a:rPr kumimoji="1" lang="ja-JP" altLang="en-US" sz="3600" b="1" dirty="0" smtClean="0">
-                <a:solidFill>
-                  <a:schemeClr val="accent5">
-                    <a:lumMod val="75000"/>
-                  </a:schemeClr>
-                </a:solidFill>
-                <a:latin typeface="Tsukushi A Round Gothic" charset="-128"/>
-                <a:ea typeface="Tsukushi A Round Gothic" charset="-128"/>
-                <a:cs typeface="Tsukushi A Round Gothic" charset="-128"/>
-              </a:rPr>
-              <a:t>選択</a:t>
+              <a:t>を選択</a:t>
             </a:r>
             <a:endParaRPr kumimoji="1" lang="ja-JP" altLang="en-US" sz="3600" b="1" dirty="0">
               <a:solidFill>
@@ -11446,20 +11427,7 @@
                 <a:ea typeface="Tsukushi A Round Gothic" charset="-128"/>
                 <a:cs typeface="Tsukushi A Round Gothic" charset="-128"/>
               </a:rPr>
-              <a:t>を</a:t>
-            </a:r>
-            <a:r>
-              <a:rPr kumimoji="1" lang="ja-JP" altLang="en-US" sz="3600" b="1" dirty="0" smtClean="0">
-                <a:solidFill>
-                  <a:schemeClr val="accent5">
-                    <a:lumMod val="75000"/>
-                  </a:schemeClr>
-                </a:solidFill>
-                <a:latin typeface="Tsukushi A Round Gothic" charset="-128"/>
-                <a:ea typeface="Tsukushi A Round Gothic" charset="-128"/>
-                <a:cs typeface="Tsukushi A Round Gothic" charset="-128"/>
-              </a:rPr>
-              <a:t>選択</a:t>
+              <a:t>を選択</a:t>
             </a:r>
             <a:endParaRPr kumimoji="1" lang="ja-JP" altLang="en-US" sz="3600" b="1" dirty="0">
               <a:solidFill>
@@ -13510,9 +13478,7 @@
             <a:avLst/>
           </a:prstGeom>
           <a:solidFill>
-            <a:schemeClr val="bg1">
-              <a:lumMod val="95000"/>
-            </a:schemeClr>
+            <a:schemeClr val="bg1"/>
           </a:solidFill>
           <a:ln w="101600">
             <a:solidFill>
@@ -13607,9 +13573,7 @@
             <a:avLst/>
           </a:prstGeom>
           <a:solidFill>
-            <a:schemeClr val="bg1">
-              <a:lumMod val="95000"/>
-            </a:schemeClr>
+            <a:schemeClr val="bg1"/>
           </a:solidFill>
           <a:ln w="101600">
             <a:solidFill>
@@ -13720,9 +13684,7 @@
             <a:avLst/>
           </a:prstGeom>
           <a:solidFill>
-            <a:schemeClr val="bg1">
-              <a:lumMod val="95000"/>
-            </a:schemeClr>
+            <a:schemeClr val="bg1"/>
           </a:solidFill>
           <a:ln w="101600">
             <a:solidFill>
@@ -13778,9 +13740,7 @@
             <a:avLst/>
           </a:prstGeom>
           <a:solidFill>
-            <a:schemeClr val="bg1">
-              <a:lumMod val="95000"/>
-            </a:schemeClr>
+            <a:schemeClr val="bg1"/>
           </a:solidFill>
           <a:ln w="101600">
             <a:solidFill>

--- a/powerpoints/発表用メイン.pptx
+++ b/powerpoints/発表用メイン.pptx
@@ -221,8 +221,8 @@
         </c:dLbls>
         <c:marker val="1"/>
         <c:smooth val="0"/>
-        <c:axId val="-1391440800"/>
-        <c:axId val="-1391438480"/>
+        <c:axId val="189639856"/>
+        <c:axId val="8080000"/>
       </c:lineChart>
       <c:lineChart>
         <c:grouping val="standard"/>
@@ -300,11 +300,11 @@
         </c:dLbls>
         <c:marker val="1"/>
         <c:smooth val="0"/>
-        <c:axId val="-1391433328"/>
-        <c:axId val="-1391435648"/>
+        <c:axId val="131210000"/>
+        <c:axId val="130326352"/>
       </c:lineChart>
       <c:catAx>
-        <c:axId val="-1391440800"/>
+        <c:axId val="189639856"/>
         <c:scaling>
           <c:orientation val="minMax"/>
         </c:scaling>
@@ -344,7 +344,7 @@
             <a:endParaRPr lang="ja-JP"/>
           </a:p>
         </c:txPr>
-        <c:crossAx val="-1391438480"/>
+        <c:crossAx val="8080000"/>
         <c:crosses val="autoZero"/>
         <c:auto val="1"/>
         <c:lblAlgn val="ctr"/>
@@ -352,7 +352,7 @@
         <c:noMultiLvlLbl val="0"/>
       </c:catAx>
       <c:valAx>
-        <c:axId val="-1391438480"/>
+        <c:axId val="8080000"/>
         <c:scaling>
           <c:orientation val="minMax"/>
           <c:min val="0.0"/>
@@ -403,12 +403,12 @@
             <a:endParaRPr lang="ja-JP"/>
           </a:p>
         </c:txPr>
-        <c:crossAx val="-1391440800"/>
+        <c:crossAx val="189639856"/>
         <c:crosses val="autoZero"/>
         <c:crossBetween val="between"/>
       </c:valAx>
       <c:valAx>
-        <c:axId val="-1391435648"/>
+        <c:axId val="130326352"/>
         <c:scaling>
           <c:orientation val="minMax"/>
           <c:max val="20.0"/>
@@ -444,12 +444,12 @@
             <a:endParaRPr lang="ja-JP"/>
           </a:p>
         </c:txPr>
-        <c:crossAx val="-1391433328"/>
+        <c:crossAx val="131210000"/>
         <c:crosses val="max"/>
         <c:crossBetween val="between"/>
       </c:valAx>
       <c:catAx>
-        <c:axId val="-1391433328"/>
+        <c:axId val="131210000"/>
         <c:scaling>
           <c:orientation val="minMax"/>
         </c:scaling>
@@ -459,7 +459,7 @@
         <c:majorTickMark val="out"/>
         <c:minorTickMark val="none"/>
         <c:tickLblPos val="nextTo"/>
-        <c:crossAx val="-1391435648"/>
+        <c:crossAx val="130326352"/>
         <c:crosses val="autoZero"/>
         <c:auto val="1"/>
         <c:lblAlgn val="ctr"/>
@@ -596,8 +596,8 @@
         </c:dLbls>
         <c:marker val="1"/>
         <c:smooth val="0"/>
-        <c:axId val="-1430905728"/>
-        <c:axId val="-1430903408"/>
+        <c:axId val="190996592"/>
+        <c:axId val="109932560"/>
       </c:lineChart>
       <c:lineChart>
         <c:grouping val="standard"/>
@@ -675,11 +675,11 @@
         </c:dLbls>
         <c:marker val="1"/>
         <c:smooth val="0"/>
-        <c:axId val="-1430898256"/>
-        <c:axId val="-1430900576"/>
+        <c:axId val="109540352"/>
+        <c:axId val="109214976"/>
       </c:lineChart>
       <c:catAx>
-        <c:axId val="-1430905728"/>
+        <c:axId val="190996592"/>
         <c:scaling>
           <c:orientation val="minMax"/>
         </c:scaling>
@@ -719,7 +719,7 @@
             <a:endParaRPr lang="ja-JP"/>
           </a:p>
         </c:txPr>
-        <c:crossAx val="-1430903408"/>
+        <c:crossAx val="109932560"/>
         <c:crosses val="autoZero"/>
         <c:auto val="1"/>
         <c:lblAlgn val="ctr"/>
@@ -727,7 +727,7 @@
         <c:noMultiLvlLbl val="0"/>
       </c:catAx>
       <c:valAx>
-        <c:axId val="-1430903408"/>
+        <c:axId val="109932560"/>
         <c:scaling>
           <c:orientation val="minMax"/>
           <c:min val="0.0"/>
@@ -778,12 +778,12 @@
             <a:endParaRPr lang="ja-JP"/>
           </a:p>
         </c:txPr>
-        <c:crossAx val="-1430905728"/>
+        <c:crossAx val="190996592"/>
         <c:crosses val="autoZero"/>
         <c:crossBetween val="between"/>
       </c:valAx>
       <c:valAx>
-        <c:axId val="-1430900576"/>
+        <c:axId val="109214976"/>
         <c:scaling>
           <c:orientation val="minMax"/>
           <c:max val="20.0"/>
@@ -819,12 +819,12 @@
             <a:endParaRPr lang="ja-JP"/>
           </a:p>
         </c:txPr>
-        <c:crossAx val="-1430898256"/>
+        <c:crossAx val="109540352"/>
         <c:crosses val="max"/>
         <c:crossBetween val="between"/>
       </c:valAx>
       <c:catAx>
-        <c:axId val="-1430898256"/>
+        <c:axId val="109540352"/>
         <c:scaling>
           <c:orientation val="minMax"/>
         </c:scaling>
@@ -834,7 +834,7 @@
         <c:majorTickMark val="out"/>
         <c:minorTickMark val="none"/>
         <c:tickLblPos val="nextTo"/>
-        <c:crossAx val="-1430900576"/>
+        <c:crossAx val="109214976"/>
         <c:crosses val="autoZero"/>
         <c:auto val="1"/>
         <c:lblAlgn val="ctr"/>
@@ -971,8 +971,8 @@
         </c:dLbls>
         <c:marker val="1"/>
         <c:smooth val="0"/>
-        <c:axId val="-1468378928"/>
-        <c:axId val="-1468916240"/>
+        <c:axId val="5140576"/>
+        <c:axId val="109600448"/>
       </c:lineChart>
       <c:lineChart>
         <c:grouping val="standard"/>
@@ -1050,11 +1050,11 @@
         </c:dLbls>
         <c:marker val="1"/>
         <c:smooth val="0"/>
-        <c:axId val="-1468906624"/>
-        <c:axId val="-1468397472"/>
+        <c:axId val="109149504"/>
+        <c:axId val="109147456"/>
       </c:lineChart>
       <c:catAx>
-        <c:axId val="-1468378928"/>
+        <c:axId val="5140576"/>
         <c:scaling>
           <c:orientation val="minMax"/>
         </c:scaling>
@@ -1094,7 +1094,7 @@
             <a:endParaRPr lang="ja-JP"/>
           </a:p>
         </c:txPr>
-        <c:crossAx val="-1468916240"/>
+        <c:crossAx val="109600448"/>
         <c:crosses val="autoZero"/>
         <c:auto val="1"/>
         <c:lblAlgn val="ctr"/>
@@ -1102,7 +1102,7 @@
         <c:noMultiLvlLbl val="0"/>
       </c:catAx>
       <c:valAx>
-        <c:axId val="-1468916240"/>
+        <c:axId val="109600448"/>
         <c:scaling>
           <c:orientation val="minMax"/>
           <c:min val="0.0"/>
@@ -1153,12 +1153,12 @@
             <a:endParaRPr lang="ja-JP"/>
           </a:p>
         </c:txPr>
-        <c:crossAx val="-1468378928"/>
+        <c:crossAx val="5140576"/>
         <c:crosses val="autoZero"/>
         <c:crossBetween val="between"/>
       </c:valAx>
       <c:valAx>
-        <c:axId val="-1468397472"/>
+        <c:axId val="109147456"/>
         <c:scaling>
           <c:orientation val="minMax"/>
           <c:max val="20.0"/>
@@ -1194,12 +1194,12 @@
             <a:endParaRPr lang="ja-JP"/>
           </a:p>
         </c:txPr>
-        <c:crossAx val="-1468906624"/>
+        <c:crossAx val="109149504"/>
         <c:crosses val="max"/>
         <c:crossBetween val="between"/>
       </c:valAx>
       <c:catAx>
-        <c:axId val="-1468906624"/>
+        <c:axId val="109149504"/>
         <c:scaling>
           <c:orientation val="minMax"/>
         </c:scaling>
@@ -1209,7 +1209,7 @@
         <c:majorTickMark val="out"/>
         <c:minorTickMark val="none"/>
         <c:tickLblPos val="nextTo"/>
-        <c:crossAx val="-1468397472"/>
+        <c:crossAx val="109147456"/>
         <c:crosses val="autoZero"/>
         <c:auto val="1"/>
         <c:lblAlgn val="ctr"/>
@@ -9055,7 +9055,19 @@
           <a:p>
             <a:r>
               <a:rPr lang="ja-JP" altLang="en-US" dirty="0" smtClean="0"/>
-              <a:t>今後の展望　マーケティングへ</a:t>
+              <a:t>今後の</a:t>
+            </a:r>
+            <a:r>
+              <a:rPr lang="ja-JP" altLang="en-US" dirty="0" smtClean="0"/>
+              <a:t>展望</a:t>
+            </a:r>
+            <a:r>
+              <a:rPr lang="en-US" altLang="ja-JP" dirty="0" smtClean="0"/>
+              <a:t>1</a:t>
+            </a:r>
+            <a:r>
+              <a:rPr lang="ja-JP" altLang="en-US" dirty="0" smtClean="0"/>
+              <a:t>　マーケティングへ</a:t>
             </a:r>
             <a:endParaRPr kumimoji="1" lang="ja-JP" altLang="en-US" dirty="0"/>
           </a:p>
@@ -9179,6 +9191,9 @@
                     <p:cTn id="3" fill="hold">
                       <p:stCondLst>
                         <p:cond delay="indefinite"/>
+                        <p:cond evt="onBegin" delay="0">
+                          <p:tn val="2"/>
+                        </p:cond>
                       </p:stCondLst>
                       <p:childTnLst>
                         <p:par>
@@ -9188,7 +9203,7 @@
                             </p:stCondLst>
                             <p:childTnLst>
                               <p:par>
-                                <p:cTn id="5" presetID="10" presetClass="entr" presetSubtype="0" fill="hold" grpId="0" nodeType="clickEffect">
+                                <p:cTn id="5" presetID="10" presetClass="entr" presetSubtype="0" fill="hold" grpId="0" nodeType="withEffect">
                                   <p:stCondLst>
                                     <p:cond delay="0"/>
                                   </p:stCondLst>
@@ -9541,7 +9556,19 @@
           <a:p>
             <a:r>
               <a:rPr lang="ja-JP" altLang="en-US" dirty="0" smtClean="0"/>
-              <a:t>今後の展望　自動学習</a:t>
+              <a:t>今後の</a:t>
+            </a:r>
+            <a:r>
+              <a:rPr lang="ja-JP" altLang="en-US" dirty="0" smtClean="0"/>
+              <a:t>展望</a:t>
+            </a:r>
+            <a:r>
+              <a:rPr lang="en-US" altLang="ja-JP" dirty="0" smtClean="0"/>
+              <a:t>2</a:t>
+            </a:r>
+            <a:r>
+              <a:rPr lang="ja-JP" altLang="en-US" dirty="0" smtClean="0"/>
+              <a:t>　自動学習</a:t>
             </a:r>
             <a:endParaRPr kumimoji="1" lang="ja-JP" altLang="en-US" dirty="0"/>
           </a:p>
@@ -10027,6 +10054,9 @@
                     <p:cTn id="3" fill="hold">
                       <p:stCondLst>
                         <p:cond delay="indefinite"/>
+                        <p:cond evt="onBegin" delay="0">
+                          <p:tn val="2"/>
+                        </p:cond>
                       </p:stCondLst>
                       <p:childTnLst>
                         <p:par>
@@ -10036,7 +10066,7 @@
                             </p:stCondLst>
                             <p:childTnLst>
                               <p:par>
-                                <p:cTn id="5" presetID="10" presetClass="entr" presetSubtype="0" fill="hold" grpId="0" nodeType="clickEffect">
+                                <p:cTn id="5" presetID="10" presetClass="entr" presetSubtype="0" fill="hold" grpId="0" nodeType="withEffect">
                                   <p:stCondLst>
                                     <p:cond delay="0"/>
                                   </p:stCondLst>
@@ -14261,30 +14291,21 @@
                             </p:childTnLst>
                           </p:cTn>
                         </p:par>
-                      </p:childTnLst>
-                    </p:cTn>
-                  </p:par>
-                  <p:par>
-                    <p:cTn id="26" fill="hold">
-                      <p:stCondLst>
-                        <p:cond delay="indefinite"/>
-                      </p:stCondLst>
-                      <p:childTnLst>
                         <p:par>
-                          <p:cTn id="27" fill="hold">
+                          <p:cTn id="26" fill="hold">
                             <p:stCondLst>
-                              <p:cond delay="0"/>
+                              <p:cond delay="1000"/>
                             </p:stCondLst>
                             <p:childTnLst>
                               <p:par>
-                                <p:cTn id="28" presetID="10" presetClass="entr" presetSubtype="0" fill="hold" grpId="0" nodeType="clickEffect">
+                                <p:cTn id="27" presetID="10" presetClass="entr" presetSubtype="0" fill="hold" grpId="0" nodeType="afterEffect">
                                   <p:stCondLst>
                                     <p:cond delay="0"/>
                                   </p:stCondLst>
                                   <p:childTnLst>
                                     <p:set>
                                       <p:cBhvr>
-                                        <p:cTn id="29" dur="1" fill="hold">
+                                        <p:cTn id="28" dur="1" fill="hold">
                                           <p:stCondLst>
                                             <p:cond delay="0"/>
                                           </p:stCondLst>
@@ -14302,7 +14323,7 @@
                                     </p:set>
                                     <p:animEffect transition="in" filter="fade">
                                       <p:cBhvr>
-                                        <p:cTn id="30" dur="500"/>
+                                        <p:cTn id="29" dur="500"/>
                                         <p:tgtEl>
                                           <p:spTgt spid="29"/>
                                         </p:tgtEl>
@@ -14318,26 +14339,26 @@
                     </p:cTn>
                   </p:par>
                   <p:par>
-                    <p:cTn id="31" fill="hold">
+                    <p:cTn id="30" fill="hold">
                       <p:stCondLst>
                         <p:cond delay="indefinite"/>
                       </p:stCondLst>
                       <p:childTnLst>
                         <p:par>
-                          <p:cTn id="32" fill="hold">
+                          <p:cTn id="31" fill="hold">
                             <p:stCondLst>
                               <p:cond delay="0"/>
                             </p:stCondLst>
                             <p:childTnLst>
                               <p:par>
-                                <p:cTn id="33" presetID="10" presetClass="entr" presetSubtype="0" fill="hold" grpId="0" nodeType="clickEffect">
+                                <p:cTn id="32" presetID="10" presetClass="entr" presetSubtype="0" fill="hold" grpId="0" nodeType="clickEffect">
                                   <p:stCondLst>
                                     <p:cond delay="0"/>
                                   </p:stCondLst>
                                   <p:childTnLst>
                                     <p:set>
                                       <p:cBhvr>
-                                        <p:cTn id="34" dur="1" fill="hold">
+                                        <p:cTn id="33" dur="1" fill="hold">
                                           <p:stCondLst>
                                             <p:cond delay="0"/>
                                           </p:stCondLst>
@@ -14355,7 +14376,7 @@
                                     </p:set>
                                     <p:animEffect transition="in" filter="fade">
                                       <p:cBhvr>
-                                        <p:cTn id="35" dur="500"/>
+                                        <p:cTn id="34" dur="500"/>
                                         <p:tgtEl>
                                           <p:spTgt spid="27"/>
                                         </p:tgtEl>
@@ -14368,20 +14389,20 @@
                           </p:cTn>
                         </p:par>
                         <p:par>
-                          <p:cTn id="36" fill="hold">
+                          <p:cTn id="35" fill="hold">
                             <p:stCondLst>
                               <p:cond delay="500"/>
                             </p:stCondLst>
                             <p:childTnLst>
                               <p:par>
-                                <p:cTn id="37" presetID="10" presetClass="entr" presetSubtype="0" fill="hold" grpId="0" nodeType="afterEffect">
+                                <p:cTn id="36" presetID="10" presetClass="entr" presetSubtype="0" fill="hold" grpId="0" nodeType="afterEffect">
                                   <p:stCondLst>
                                     <p:cond delay="0"/>
                                   </p:stCondLst>
                                   <p:childTnLst>
                                     <p:set>
                                       <p:cBhvr>
-                                        <p:cTn id="38" dur="1" fill="hold">
+                                        <p:cTn id="37" dur="1" fill="hold">
                                           <p:stCondLst>
                                             <p:cond delay="0"/>
                                           </p:stCondLst>
@@ -14399,7 +14420,7 @@
                                     </p:set>
                                     <p:animEffect transition="in" filter="fade">
                                       <p:cBhvr>
-                                        <p:cTn id="39" dur="500"/>
+                                        <p:cTn id="38" dur="500"/>
                                         <p:tgtEl>
                                           <p:spTgt spid="23"/>
                                         </p:tgtEl>

--- a/powerpoints/発表用メイン.pptx
+++ b/powerpoints/発表用メイン.pptx
@@ -3349,24 +3349,7 @@
           <a:p>
             <a:r>
               <a:rPr kumimoji="1" lang="ja-JP" altLang="en-US" dirty="0" smtClean="0"/>
-              <a:t>オープニング</a:t>
-            </a:r>
-            <a:endParaRPr kumimoji="1" lang="en-US" altLang="ja-JP" dirty="0" smtClean="0"/>
-          </a:p>
-          <a:p>
-            <a:endParaRPr kumimoji="1" lang="en-US" altLang="ja-JP" dirty="0" smtClean="0"/>
-          </a:p>
-          <a:p>
-            <a:r>
-              <a:rPr kumimoji="1" lang="ja-JP" altLang="en-US" dirty="0" smtClean="0"/>
-              <a:t>・タイトルの発表</a:t>
-            </a:r>
-            <a:endParaRPr kumimoji="1" lang="en-US" altLang="ja-JP" dirty="0" smtClean="0"/>
-          </a:p>
-          <a:p>
-            <a:r>
-              <a:rPr kumimoji="1" lang="ja-JP" altLang="en-US" dirty="0" smtClean="0"/>
-              <a:t>・名古屋から来た</a:t>
+              <a:t>名古屋から来ました</a:t>
             </a:r>
             <a:r>
               <a:rPr kumimoji="1" lang="en-US" altLang="ja-JP" dirty="0" smtClean="0"/>
@@ -3374,42 +3357,7 @@
             </a:r>
             <a:r>
               <a:rPr kumimoji="1" lang="ja-JP" altLang="en-US" dirty="0" smtClean="0"/>
-              <a:t>です。よろしくおねがします。</a:t>
-            </a:r>
-            <a:endParaRPr kumimoji="1" lang="en-US" altLang="ja-JP" dirty="0" smtClean="0"/>
-          </a:p>
-          <a:p>
-            <a:endParaRPr kumimoji="1" lang="en-US" altLang="ja-JP" dirty="0" smtClean="0"/>
-          </a:p>
-          <a:p>
-            <a:r>
-              <a:rPr kumimoji="1" lang="ja-JP" altLang="en-US" dirty="0" smtClean="0"/>
-              <a:t>突然ですが、服を毎朝選ぶの、面倒ではありませんか？</a:t>
-            </a:r>
-            <a:endParaRPr kumimoji="1" lang="en-US" altLang="ja-JP" dirty="0" smtClean="0"/>
-          </a:p>
-          <a:p>
-            <a:r>
-              <a:rPr kumimoji="1" lang="ja-JP" altLang="en-US" dirty="0" smtClean="0"/>
-              <a:t>天気予報をみて、気温と天気をチェックして、服装を考えるのは大変ですよね。</a:t>
-            </a:r>
-            <a:endParaRPr kumimoji="1" lang="en-US" altLang="ja-JP" dirty="0" smtClean="0"/>
-          </a:p>
-          <a:p>
-            <a:endParaRPr kumimoji="1" lang="en-US" altLang="ja-JP" dirty="0" smtClean="0"/>
-          </a:p>
-          <a:p>
-            <a:r>
-              <a:rPr kumimoji="1" lang="ja-JP" altLang="en-US" dirty="0" smtClean="0"/>
-              <a:t>そこで、僕らはこの</a:t>
-            </a:r>
-            <a:r>
-              <a:rPr kumimoji="1" lang="en-US" altLang="ja-JP" dirty="0" smtClean="0"/>
-              <a:t>Moderate Clothes</a:t>
-            </a:r>
-            <a:r>
-              <a:rPr kumimoji="1" lang="ja-JP" altLang="en-US" dirty="0" smtClean="0"/>
-              <a:t>を紹介させていただきます。</a:t>
+              <a:t>と申します。宜しくお願いします。今回僕たちが紹介するのは、このモデレート・クロスィーズというサービスです。突然ですがみなさま、朝に服を選ぶ時に、ニュースで今日の気温と天気を調べていませんか？それとも、だいたいこういう服装でいいだろうと来ていった服で、予想外に暑かったり寒かったりして失敗したなあと思った経験はありませんか</a:t>
             </a:r>
             <a:endParaRPr kumimoji="1" lang="en-US" altLang="ja-JP" dirty="0" smtClean="0"/>
           </a:p>
@@ -3442,6 +3390,515 @@
     <p:extLst>
       <p:ext uri="{BB962C8B-B14F-4D97-AF65-F5344CB8AC3E}">
         <p14:creationId xmlns:p14="http://schemas.microsoft.com/office/powerpoint/2010/main" val="1971487138"/>
+      </p:ext>
+    </p:extLst>
+  </p:cSld>
+  <p:clrMapOvr>
+    <a:masterClrMapping/>
+  </p:clrMapOvr>
+</p:notes>
+</file>
+
+<file path=ppt/notesSlides/notesSlide10.xml><?xml version="1.0" encoding="utf-8"?>
+<p:notes xmlns:a="http://schemas.openxmlformats.org/drawingml/2006/main" xmlns:r="http://schemas.openxmlformats.org/officeDocument/2006/relationships" xmlns:p="http://schemas.openxmlformats.org/presentationml/2006/main">
+  <p:cSld>
+    <p:spTree>
+      <p:nvGrpSpPr>
+        <p:cNvPr id="1" name=""/>
+        <p:cNvGrpSpPr/>
+        <p:nvPr/>
+      </p:nvGrpSpPr>
+      <p:grpSpPr>
+        <a:xfrm>
+          <a:off x="0" y="0"/>
+          <a:ext cx="0" cy="0"/>
+          <a:chOff x="0" y="0"/>
+          <a:chExt cx="0" cy="0"/>
+        </a:xfrm>
+      </p:grpSpPr>
+      <p:sp>
+        <p:nvSpPr>
+          <p:cNvPr id="2" name="スライド イメージ プレースホルダー 1"/>
+          <p:cNvSpPr>
+            <a:spLocks noGrp="1" noRot="1" noChangeAspect="1"/>
+          </p:cNvSpPr>
+          <p:nvPr>
+            <p:ph type="sldImg"/>
+          </p:nvPr>
+        </p:nvSpPr>
+        <p:spPr/>
+      </p:sp>
+      <p:sp>
+        <p:nvSpPr>
+          <p:cNvPr id="3" name="ノート プレースホルダー 2"/>
+          <p:cNvSpPr>
+            <a:spLocks noGrp="1"/>
+          </p:cNvSpPr>
+          <p:nvPr>
+            <p:ph type="body" idx="1"/>
+          </p:nvPr>
+        </p:nvSpPr>
+        <p:spPr/>
+        <p:txBody>
+          <a:bodyPr/>
+          <a:lstStyle/>
+          <a:p>
+            <a:r>
+              <a:rPr kumimoji="1" lang="ja-JP" altLang="en-US" dirty="0" smtClean="0"/>
+              <a:t>次に、文章の生成について説明します。その日着て行く服の詳細をつたえるために文章を利用しました。文書は定型文とキーワードに分かれていて、その日の天候にあわせたキーワードを生成する事で文を完成しています。</a:t>
+            </a:r>
+            <a:endParaRPr kumimoji="1" lang="ja-JP" altLang="en-US" dirty="0"/>
+          </a:p>
+        </p:txBody>
+      </p:sp>
+      <p:sp>
+        <p:nvSpPr>
+          <p:cNvPr id="4" name="スライド番号プレースホルダー 3"/>
+          <p:cNvSpPr>
+            <a:spLocks noGrp="1"/>
+          </p:cNvSpPr>
+          <p:nvPr>
+            <p:ph type="sldNum" sz="quarter" idx="10"/>
+          </p:nvPr>
+        </p:nvSpPr>
+        <p:spPr/>
+        <p:txBody>
+          <a:bodyPr/>
+          <a:lstStyle/>
+          <a:p>
+            <a:fld id="{302EF476-358D-4D49-A664-93B2AEB55DD0}" type="slidenum">
+              <a:rPr kumimoji="1" lang="ja-JP" altLang="en-US" smtClean="0"/>
+              <a:t>10</a:t>
+            </a:fld>
+            <a:endParaRPr kumimoji="1" lang="ja-JP" altLang="en-US"/>
+          </a:p>
+        </p:txBody>
+      </p:sp>
+    </p:spTree>
+    <p:extLst>
+      <p:ext uri="{BB962C8B-B14F-4D97-AF65-F5344CB8AC3E}">
+        <p14:creationId xmlns:p14="http://schemas.microsoft.com/office/powerpoint/2010/main" val="1897949747"/>
+      </p:ext>
+    </p:extLst>
+  </p:cSld>
+  <p:clrMapOvr>
+    <a:masterClrMapping/>
+  </p:clrMapOvr>
+</p:notes>
+</file>
+
+<file path=ppt/notesSlides/notesSlide11.xml><?xml version="1.0" encoding="utf-8"?>
+<p:notes xmlns:a="http://schemas.openxmlformats.org/drawingml/2006/main" xmlns:r="http://schemas.openxmlformats.org/officeDocument/2006/relationships" xmlns:p="http://schemas.openxmlformats.org/presentationml/2006/main">
+  <p:cSld>
+    <p:spTree>
+      <p:nvGrpSpPr>
+        <p:cNvPr id="1" name=""/>
+        <p:cNvGrpSpPr/>
+        <p:nvPr/>
+      </p:nvGrpSpPr>
+      <p:grpSpPr>
+        <a:xfrm>
+          <a:off x="0" y="0"/>
+          <a:ext cx="0" cy="0"/>
+          <a:chOff x="0" y="0"/>
+          <a:chExt cx="0" cy="0"/>
+        </a:xfrm>
+      </p:grpSpPr>
+      <p:sp>
+        <p:nvSpPr>
+          <p:cNvPr id="2" name="スライド イメージ プレースホルダー 1"/>
+          <p:cNvSpPr>
+            <a:spLocks noGrp="1" noRot="1" noChangeAspect="1"/>
+          </p:cNvSpPr>
+          <p:nvPr>
+            <p:ph type="sldImg"/>
+          </p:nvPr>
+        </p:nvSpPr>
+        <p:spPr/>
+      </p:sp>
+      <p:sp>
+        <p:nvSpPr>
+          <p:cNvPr id="3" name="ノート プレースホルダー 2"/>
+          <p:cNvSpPr>
+            <a:spLocks noGrp="1"/>
+          </p:cNvSpPr>
+          <p:nvPr>
+            <p:ph type="body" idx="1"/>
+          </p:nvPr>
+        </p:nvSpPr>
+        <p:spPr/>
+        <p:txBody>
+          <a:bodyPr/>
+          <a:lstStyle/>
+          <a:p>
+            <a:r>
+              <a:rPr kumimoji="1" lang="ja-JP" altLang="en-US" dirty="0" smtClean="0"/>
+              <a:t>キーワードの生成はその日の気温や、湿度の変化などの情報からできています。その実装は、</a:t>
+            </a:r>
+            <a:r>
+              <a:rPr kumimoji="1" lang="en-US" altLang="ja-JP" dirty="0" smtClean="0"/>
+              <a:t>API</a:t>
+            </a:r>
+            <a:r>
+              <a:rPr kumimoji="1" lang="ja-JP" altLang="en-US" dirty="0" smtClean="0"/>
+              <a:t>から朝と昼と、夜それぞれの気温と湿度を取得し、不快度指数というパラメータを計算しています。次に、不快度指数の朝、昼、夜での変化や、数値を考慮し、キーワードを生成します。</a:t>
+            </a:r>
+            <a:endParaRPr kumimoji="1" lang="en-US" altLang="ja-JP" dirty="0" smtClean="0"/>
+          </a:p>
+        </p:txBody>
+      </p:sp>
+      <p:sp>
+        <p:nvSpPr>
+          <p:cNvPr id="4" name="スライド番号プレースホルダー 3"/>
+          <p:cNvSpPr>
+            <a:spLocks noGrp="1"/>
+          </p:cNvSpPr>
+          <p:nvPr>
+            <p:ph type="sldNum" sz="quarter" idx="10"/>
+          </p:nvPr>
+        </p:nvSpPr>
+        <p:spPr/>
+        <p:txBody>
+          <a:bodyPr/>
+          <a:lstStyle/>
+          <a:p>
+            <a:fld id="{302EF476-358D-4D49-A664-93B2AEB55DD0}" type="slidenum">
+              <a:rPr kumimoji="1" lang="ja-JP" altLang="en-US" smtClean="0"/>
+              <a:t>11</a:t>
+            </a:fld>
+            <a:endParaRPr kumimoji="1" lang="ja-JP" altLang="en-US"/>
+          </a:p>
+        </p:txBody>
+      </p:sp>
+    </p:spTree>
+    <p:extLst>
+      <p:ext uri="{BB962C8B-B14F-4D97-AF65-F5344CB8AC3E}">
+        <p14:creationId xmlns:p14="http://schemas.microsoft.com/office/powerpoint/2010/main" val="646114937"/>
+      </p:ext>
+    </p:extLst>
+  </p:cSld>
+  <p:clrMapOvr>
+    <a:masterClrMapping/>
+  </p:clrMapOvr>
+</p:notes>
+</file>
+
+<file path=ppt/notesSlides/notesSlide12.xml><?xml version="1.0" encoding="utf-8"?>
+<p:notes xmlns:a="http://schemas.openxmlformats.org/drawingml/2006/main" xmlns:r="http://schemas.openxmlformats.org/officeDocument/2006/relationships" xmlns:p="http://schemas.openxmlformats.org/presentationml/2006/main">
+  <p:cSld>
+    <p:spTree>
+      <p:nvGrpSpPr>
+        <p:cNvPr id="1" name=""/>
+        <p:cNvGrpSpPr/>
+        <p:nvPr/>
+      </p:nvGrpSpPr>
+      <p:grpSpPr>
+        <a:xfrm>
+          <a:off x="0" y="0"/>
+          <a:ext cx="0" cy="0"/>
+          <a:chOff x="0" y="0"/>
+          <a:chExt cx="0" cy="0"/>
+        </a:xfrm>
+      </p:grpSpPr>
+      <p:sp>
+        <p:nvSpPr>
+          <p:cNvPr id="2" name="スライド イメージ プレースホルダー 1"/>
+          <p:cNvSpPr>
+            <a:spLocks noGrp="1" noRot="1" noChangeAspect="1"/>
+          </p:cNvSpPr>
+          <p:nvPr>
+            <p:ph type="sldImg"/>
+          </p:nvPr>
+        </p:nvSpPr>
+        <p:spPr/>
+      </p:sp>
+      <p:sp>
+        <p:nvSpPr>
+          <p:cNvPr id="3" name="ノート プレースホルダー 2"/>
+          <p:cNvSpPr>
+            <a:spLocks noGrp="1"/>
+          </p:cNvSpPr>
+          <p:nvPr>
+            <p:ph type="body" idx="1"/>
+          </p:nvPr>
+        </p:nvSpPr>
+        <p:spPr/>
+        <p:txBody>
+          <a:bodyPr/>
+          <a:lstStyle/>
+          <a:p>
+            <a:pPr marL="0" marR="0" indent="0" algn="l" defTabSz="914400" rtl="0" eaLnBrk="1" fontAlgn="auto" latinLnBrk="0" hangingPunct="1">
+              <a:lnSpc>
+                <a:spcPct val="100000"/>
+              </a:lnSpc>
+              <a:spcBef>
+                <a:spcPts val="0"/>
+              </a:spcBef>
+              <a:spcAft>
+                <a:spcPts val="0"/>
+              </a:spcAft>
+              <a:buClrTx/>
+              <a:buSzTx/>
+              <a:buFontTx/>
+              <a:buNone/>
+              <a:tabLst/>
+              <a:defRPr/>
+            </a:pPr>
+            <a:r>
+              <a:rPr kumimoji="1" lang="ja-JP" altLang="en-US" dirty="0" smtClean="0"/>
+              <a:t>最後に今後の展望を２つご紹介させていただきます。昨今の広告にあふれている現状、マーケティングの匂いの強いサービスは嫌いだと思われる方も多いと思います。</a:t>
+            </a:r>
+            <a:endParaRPr kumimoji="1" lang="en-US" altLang="ja-JP" dirty="0" smtClean="0"/>
+          </a:p>
+          <a:p>
+            <a:endParaRPr kumimoji="1" lang="en-US" altLang="ja-JP" dirty="0" smtClean="0"/>
+          </a:p>
+          <a:p>
+            <a:endParaRPr kumimoji="1" lang="en-US" altLang="ja-JP" dirty="0" smtClean="0"/>
+          </a:p>
+          <a:p>
+            <a:endParaRPr kumimoji="1" lang="en-US" altLang="ja-JP" dirty="0" smtClean="0"/>
+          </a:p>
+          <a:p>
+            <a:endParaRPr kumimoji="1" lang="en-US" altLang="ja-JP" dirty="0" smtClean="0"/>
+          </a:p>
+          <a:p>
+            <a:endParaRPr kumimoji="1" lang="en-US" altLang="ja-JP" dirty="0" smtClean="0"/>
+          </a:p>
+          <a:p>
+            <a:endParaRPr kumimoji="1" lang="en-US" altLang="ja-JP" dirty="0" smtClean="0"/>
+          </a:p>
+          <a:p>
+            <a:endParaRPr kumimoji="1" lang="en-US" altLang="ja-JP" dirty="0" smtClean="0"/>
+          </a:p>
+          <a:p>
+            <a:r>
+              <a:rPr kumimoji="1" lang="ja-JP" altLang="en-US" dirty="0" smtClean="0"/>
+              <a:t>しかしこのサービスは、ユーザーが欲しい朝というタイミングに、欲しい情報を通知することができます。そのため、ファッション通販サイトと連携することで、広告だと気づかれにくくしつつ、商品を宣伝することができます。</a:t>
+            </a:r>
+            <a:endParaRPr kumimoji="1" lang="ja-JP" altLang="en-US" dirty="0"/>
+          </a:p>
+        </p:txBody>
+      </p:sp>
+      <p:sp>
+        <p:nvSpPr>
+          <p:cNvPr id="4" name="スライド番号プレースホルダー 3"/>
+          <p:cNvSpPr>
+            <a:spLocks noGrp="1"/>
+          </p:cNvSpPr>
+          <p:nvPr>
+            <p:ph type="sldNum" sz="quarter" idx="10"/>
+          </p:nvPr>
+        </p:nvSpPr>
+        <p:spPr/>
+        <p:txBody>
+          <a:bodyPr/>
+          <a:lstStyle/>
+          <a:p>
+            <a:fld id="{302EF476-358D-4D49-A664-93B2AEB55DD0}" type="slidenum">
+              <a:rPr kumimoji="1" lang="ja-JP" altLang="en-US" smtClean="0"/>
+              <a:t>12</a:t>
+            </a:fld>
+            <a:endParaRPr kumimoji="1" lang="ja-JP" altLang="en-US"/>
+          </a:p>
+        </p:txBody>
+      </p:sp>
+    </p:spTree>
+    <p:extLst>
+      <p:ext uri="{BB962C8B-B14F-4D97-AF65-F5344CB8AC3E}">
+        <p14:creationId xmlns:p14="http://schemas.microsoft.com/office/powerpoint/2010/main" val="790797992"/>
+      </p:ext>
+    </p:extLst>
+  </p:cSld>
+  <p:clrMapOvr>
+    <a:masterClrMapping/>
+  </p:clrMapOvr>
+</p:notes>
+</file>
+
+<file path=ppt/notesSlides/notesSlide13.xml><?xml version="1.0" encoding="utf-8"?>
+<p:notes xmlns:a="http://schemas.openxmlformats.org/drawingml/2006/main" xmlns:r="http://schemas.openxmlformats.org/officeDocument/2006/relationships" xmlns:p="http://schemas.openxmlformats.org/presentationml/2006/main">
+  <p:cSld>
+    <p:spTree>
+      <p:nvGrpSpPr>
+        <p:cNvPr id="1" name=""/>
+        <p:cNvGrpSpPr/>
+        <p:nvPr/>
+      </p:nvGrpSpPr>
+      <p:grpSpPr>
+        <a:xfrm>
+          <a:off x="0" y="0"/>
+          <a:ext cx="0" cy="0"/>
+          <a:chOff x="0" y="0"/>
+          <a:chExt cx="0" cy="0"/>
+        </a:xfrm>
+      </p:grpSpPr>
+      <p:sp>
+        <p:nvSpPr>
+          <p:cNvPr id="2" name="スライド イメージ プレースホルダー 1"/>
+          <p:cNvSpPr>
+            <a:spLocks noGrp="1" noRot="1" noChangeAspect="1"/>
+          </p:cNvSpPr>
+          <p:nvPr>
+            <p:ph type="sldImg"/>
+          </p:nvPr>
+        </p:nvSpPr>
+        <p:spPr/>
+      </p:sp>
+      <p:sp>
+        <p:nvSpPr>
+          <p:cNvPr id="3" name="ノート プレースホルダー 2"/>
+          <p:cNvSpPr>
+            <a:spLocks noGrp="1"/>
+          </p:cNvSpPr>
+          <p:nvPr>
+            <p:ph type="body" idx="1"/>
+          </p:nvPr>
+        </p:nvSpPr>
+        <p:spPr/>
+        <p:txBody>
+          <a:bodyPr/>
+          <a:lstStyle/>
+          <a:p>
+            <a:r>
+              <a:rPr kumimoji="1" lang="ja-JP" altLang="en-US" dirty="0" smtClean="0"/>
+              <a:t>二つ目は、自動学習を実装して、推奨するコーディネートを、自分の持っているアイテムを活用したものにしようという試みです。</a:t>
+            </a:r>
+            <a:endParaRPr kumimoji="1" lang="en-US" altLang="ja-JP" dirty="0" smtClean="0"/>
+          </a:p>
+          <a:p>
+            <a:endParaRPr kumimoji="1" lang="en-US" altLang="ja-JP" dirty="0" smtClean="0"/>
+          </a:p>
+          <a:p>
+            <a:endParaRPr kumimoji="1" lang="en-US" altLang="ja-JP" dirty="0" smtClean="0"/>
+          </a:p>
+          <a:p>
+            <a:endParaRPr kumimoji="1" lang="en-US" altLang="ja-JP" dirty="0" smtClean="0"/>
+          </a:p>
+          <a:p>
+            <a:r>
+              <a:rPr kumimoji="1" lang="ja-JP" altLang="en-US" dirty="0" smtClean="0"/>
+              <a:t>これもファッション通販サイトと連携することになるのですが、サイトで購入したアイテムを自動でユーザーの所持アイテムを管理するデータベースに追加し、活用することでユーザーの好みに合わせたコーディネートを提案することが可能だと考えています。</a:t>
+            </a:r>
+            <a:endParaRPr kumimoji="1" lang="ja-JP" altLang="en-US" dirty="0"/>
+          </a:p>
+        </p:txBody>
+      </p:sp>
+      <p:sp>
+        <p:nvSpPr>
+          <p:cNvPr id="4" name="スライド番号プレースホルダー 3"/>
+          <p:cNvSpPr>
+            <a:spLocks noGrp="1"/>
+          </p:cNvSpPr>
+          <p:nvPr>
+            <p:ph type="sldNum" sz="quarter" idx="10"/>
+          </p:nvPr>
+        </p:nvSpPr>
+        <p:spPr/>
+        <p:txBody>
+          <a:bodyPr/>
+          <a:lstStyle/>
+          <a:p>
+            <a:fld id="{302EF476-358D-4D49-A664-93B2AEB55DD0}" type="slidenum">
+              <a:rPr kumimoji="1" lang="ja-JP" altLang="en-US" smtClean="0"/>
+              <a:t>13</a:t>
+            </a:fld>
+            <a:endParaRPr kumimoji="1" lang="ja-JP" altLang="en-US"/>
+          </a:p>
+        </p:txBody>
+      </p:sp>
+    </p:spTree>
+    <p:extLst>
+      <p:ext uri="{BB962C8B-B14F-4D97-AF65-F5344CB8AC3E}">
+        <p14:creationId xmlns:p14="http://schemas.microsoft.com/office/powerpoint/2010/main" val="16353724"/>
+      </p:ext>
+    </p:extLst>
+  </p:cSld>
+  <p:clrMapOvr>
+    <a:masterClrMapping/>
+  </p:clrMapOvr>
+</p:notes>
+</file>
+
+<file path=ppt/notesSlides/notesSlide14.xml><?xml version="1.0" encoding="utf-8"?>
+<p:notes xmlns:a="http://schemas.openxmlformats.org/drawingml/2006/main" xmlns:r="http://schemas.openxmlformats.org/officeDocument/2006/relationships" xmlns:p="http://schemas.openxmlformats.org/presentationml/2006/main">
+  <p:cSld>
+    <p:spTree>
+      <p:nvGrpSpPr>
+        <p:cNvPr id="1" name=""/>
+        <p:cNvGrpSpPr/>
+        <p:nvPr/>
+      </p:nvGrpSpPr>
+      <p:grpSpPr>
+        <a:xfrm>
+          <a:off x="0" y="0"/>
+          <a:ext cx="0" cy="0"/>
+          <a:chOff x="0" y="0"/>
+          <a:chExt cx="0" cy="0"/>
+        </a:xfrm>
+      </p:grpSpPr>
+      <p:sp>
+        <p:nvSpPr>
+          <p:cNvPr id="2" name="スライド イメージ プレースホルダー 1"/>
+          <p:cNvSpPr>
+            <a:spLocks noGrp="1" noRot="1" noChangeAspect="1"/>
+          </p:cNvSpPr>
+          <p:nvPr>
+            <p:ph type="sldImg"/>
+          </p:nvPr>
+        </p:nvSpPr>
+        <p:spPr/>
+      </p:sp>
+      <p:sp>
+        <p:nvSpPr>
+          <p:cNvPr id="3" name="ノート プレースホルダー 2"/>
+          <p:cNvSpPr>
+            <a:spLocks noGrp="1"/>
+          </p:cNvSpPr>
+          <p:nvPr>
+            <p:ph type="body" idx="1"/>
+          </p:nvPr>
+        </p:nvSpPr>
+        <p:spPr/>
+        <p:txBody>
+          <a:bodyPr/>
+          <a:lstStyle/>
+          <a:p>
+            <a:r>
+              <a:rPr kumimoji="1" lang="ja-JP" altLang="en-US" dirty="0" smtClean="0"/>
+              <a:t>以上で、モデレートクロシィーズの発表を終わります。ご静聴ありがとうございました。</a:t>
+            </a:r>
+            <a:endParaRPr kumimoji="1" lang="ja-JP" altLang="en-US" dirty="0"/>
+          </a:p>
+        </p:txBody>
+      </p:sp>
+      <p:sp>
+        <p:nvSpPr>
+          <p:cNvPr id="4" name="スライド番号プレースホルダー 3"/>
+          <p:cNvSpPr>
+            <a:spLocks noGrp="1"/>
+          </p:cNvSpPr>
+          <p:nvPr>
+            <p:ph type="sldNum" sz="quarter" idx="10"/>
+          </p:nvPr>
+        </p:nvSpPr>
+        <p:spPr/>
+        <p:txBody>
+          <a:bodyPr/>
+          <a:lstStyle/>
+          <a:p>
+            <a:fld id="{302EF476-358D-4D49-A664-93B2AEB55DD0}" type="slidenum">
+              <a:rPr kumimoji="1" lang="ja-JP" altLang="en-US" smtClean="0"/>
+              <a:t>14</a:t>
+            </a:fld>
+            <a:endParaRPr kumimoji="1" lang="ja-JP" altLang="en-US"/>
+          </a:p>
+        </p:txBody>
+      </p:sp>
+    </p:spTree>
+    <p:extLst>
+      <p:ext uri="{BB962C8B-B14F-4D97-AF65-F5344CB8AC3E}">
+        <p14:creationId xmlns:p14="http://schemas.microsoft.com/office/powerpoint/2010/main" val="187868074"/>
       </p:ext>
     </p:extLst>
   </p:cSld>
@@ -3497,14 +3954,8 @@
           <a:p>
             <a:r>
               <a:rPr kumimoji="1" lang="ja-JP" altLang="en-US" dirty="0" smtClean="0"/>
-              <a:t>・モットーの紹介</a:t>
-            </a:r>
-            <a:endParaRPr kumimoji="1" lang="en-US" altLang="ja-JP" dirty="0" smtClean="0"/>
-          </a:p>
-          <a:p>
-            <a:endParaRPr kumimoji="1" lang="en-US" altLang="ja-JP" dirty="0" smtClean="0"/>
-          </a:p>
-          <a:p>
+              <a:t>このモデレート・クロシィーズは、「朝の服選びにラクさを！」というモットーのもと開発されました。サービスを利用することで、毎朝みなさんが着て行く服のために時間をかけることを、過去のものにすることを約束します。</a:t>
+            </a:r>
             <a:endParaRPr kumimoji="1" lang="ja-JP" altLang="en-US" dirty="0"/>
           </a:p>
         </p:txBody>
@@ -3590,16 +4041,9 @@
           <a:lstStyle/>
           <a:p>
             <a:r>
-              <a:rPr kumimoji="1" lang="en-US" altLang="ja-JP" dirty="0" smtClean="0"/>
-              <a:t>Moderate Clothes</a:t>
-            </a:r>
-            <a:r>
               <a:rPr kumimoji="1" lang="ja-JP" altLang="en-US" dirty="0" smtClean="0"/>
-              <a:t>はシンプルかつ可愛いユーザーインタフェースを追求したラインボットです。</a:t>
-            </a:r>
-            <a:endParaRPr kumimoji="1" lang="en-US" altLang="ja-JP" dirty="0" smtClean="0"/>
-          </a:p>
-          <a:p>
+              <a:t>このアプリの特徴は次の三つです。まず初めに、気温や温度によって人々がどのように感じるかを、「寒い」から「暑い」の一次元で表現した不快度指数というパラメータを、毎朝自動で算出します。しかし、「ちょっと寒い」と言われても、どれくらい寒いのか具体的にわからず困ってしまいますよね。そこで、過去の類似した天候の日に、他の方々が身につけていたファッションコーディネートを提案する機能をつけています。具体的な服装を提示することで、迷わず服を選択することができます。三つ目は、素朴な可愛らしさをもつ、グラフィカルかつ直感的なユーザーインタフェースです。ユーザーがこのサービスをご利用中に操作方法がわからなくなってしまわないように最大限配慮いたしました。</a:t>
+            </a:r>
             <a:endParaRPr kumimoji="1" lang="en-US" altLang="ja-JP" dirty="0" smtClean="0"/>
           </a:p>
         </p:txBody>
@@ -3686,27 +4130,17 @@
           <a:p>
             <a:r>
               <a:rPr kumimoji="1" lang="ja-JP" altLang="en-US" dirty="0" smtClean="0"/>
-              <a:t>しかし、毎日一度の通知のためにアプリをインストールするのは無駄が大きいと感じませんか。</a:t>
-            </a:r>
-            <a:endParaRPr kumimoji="1" lang="en-US" altLang="ja-JP" dirty="0" smtClean="0"/>
-          </a:p>
-          <a:p>
-            <a:endParaRPr kumimoji="1" lang="en-US" altLang="ja-JP" dirty="0" smtClean="0"/>
-          </a:p>
-          <a:p>
+              <a:t>まずはラインを開き、</a:t>
+            </a:r>
+            <a:r>
+              <a:rPr kumimoji="1" lang="en-US" altLang="ja-JP" dirty="0" smtClean="0"/>
+              <a:t>QR</a:t>
+            </a:r>
             <a:r>
               <a:rPr kumimoji="1" lang="ja-JP" altLang="en-US" dirty="0" smtClean="0"/>
-              <a:t>僕らは、</a:t>
-            </a:r>
-            <a:r>
-              <a:rPr kumimoji="1" lang="en-US" altLang="ja-JP" dirty="0" smtClean="0"/>
-              <a:t>LINE</a:t>
-            </a:r>
-            <a:r>
-              <a:rPr kumimoji="1" lang="ja-JP" altLang="en-US" dirty="0" smtClean="0"/>
-              <a:t>ボットにすることで、インストールする手間を省き、簡単に利用できるようにしました。</a:t>
-            </a:r>
-            <a:endParaRPr kumimoji="1" lang="en-US" altLang="ja-JP" dirty="0" smtClean="0"/>
+              <a:t>コードを読み込みます。ダイアログで友達として追加していただくと、初期化のためのメッセージが届きます。性別と地域、通知する時間をタッチで選択していただきます。現在、中部地方、関東地方、近畿地方、関西地方、中国地方をサポートしています。最後に通知時間を４種類の中からタッチで選択してください。設定するのはたったこれだけです。すると、通知する時間にメッセージが届きます。通知時間はデモ動画のため本番とは異なっているのでご了承ください。</a:t>
+            </a:r>
+            <a:endParaRPr kumimoji="1" lang="ja-JP" altLang="en-US" dirty="0"/>
           </a:p>
         </p:txBody>
       </p:sp>
@@ -3790,7 +4224,23 @@
           <a:bodyPr/>
           <a:lstStyle/>
           <a:p>
-            <a:endParaRPr kumimoji="1" lang="en-US" altLang="ja-JP" dirty="0" smtClean="0"/>
+            <a:r>
+              <a:rPr kumimoji="1" lang="en-US" altLang="ja-JP" dirty="0" smtClean="0"/>
+              <a:t>1</a:t>
+            </a:r>
+            <a:r>
+              <a:rPr kumimoji="1" lang="ja-JP" altLang="en-US" dirty="0" smtClean="0"/>
+              <a:t>日目はこのように気温差が激しい日です。（</a:t>
+            </a:r>
+            <a:r>
+              <a:rPr kumimoji="1" lang="en-US" altLang="ja-JP" dirty="0" smtClean="0"/>
+              <a:t>6</a:t>
+            </a:r>
+            <a:r>
+              <a:rPr kumimoji="1" lang="ja-JP" altLang="en-US" dirty="0" smtClean="0"/>
+              <a:t>秒くらいメッセージが表示されているところで停止）そのためメッセージも、セーターや厚手のパーカーなどの服装脱ぎ着のできる上着をお勧めし、傘を持って行くことも伝えてくれます。服の画像をタッチすることで、ファッション投稿サイトに飛ぶことが可能です。</a:t>
+            </a:r>
+            <a:endParaRPr kumimoji="1" lang="ja-JP" altLang="en-US" dirty="0"/>
           </a:p>
         </p:txBody>
       </p:sp>
@@ -3811,7 +4261,7 @@
           <a:p>
             <a:fld id="{302EF476-358D-4D49-A664-93B2AEB55DD0}" type="slidenum">
               <a:rPr kumimoji="1" lang="ja-JP" altLang="en-US" smtClean="0"/>
-              <a:t>9</a:t>
+              <a:t>5</a:t>
             </a:fld>
             <a:endParaRPr kumimoji="1" lang="ja-JP" altLang="en-US"/>
           </a:p>
@@ -3820,7 +4270,7 @@
     </p:spTree>
     <p:extLst>
       <p:ext uri="{BB962C8B-B14F-4D97-AF65-F5344CB8AC3E}">
-        <p14:creationId xmlns:p14="http://schemas.microsoft.com/office/powerpoint/2010/main" val="739194465"/>
+        <p14:creationId xmlns:p14="http://schemas.microsoft.com/office/powerpoint/2010/main" val="1121607702"/>
       </p:ext>
     </p:extLst>
   </p:cSld>
@@ -3874,7 +4324,11 @@
           <a:bodyPr/>
           <a:lstStyle/>
           <a:p>
-            <a:endParaRPr kumimoji="1" lang="en-US" altLang="ja-JP" dirty="0" smtClean="0"/>
+            <a:r>
+              <a:rPr kumimoji="1" lang="ja-JP" altLang="en-US" dirty="0" smtClean="0"/>
+              <a:t>２日目は気温がすこし高いようです。そのため、厚手のシャツを持って行くように勧めてくれます。</a:t>
+            </a:r>
+            <a:endParaRPr kumimoji="1" lang="ja-JP" altLang="en-US" dirty="0"/>
           </a:p>
         </p:txBody>
       </p:sp>
@@ -3895,7 +4349,7 @@
           <a:p>
             <a:fld id="{302EF476-358D-4D49-A664-93B2AEB55DD0}" type="slidenum">
               <a:rPr kumimoji="1" lang="ja-JP" altLang="en-US" smtClean="0"/>
-              <a:t>11</a:t>
+              <a:t>6</a:t>
             </a:fld>
             <a:endParaRPr kumimoji="1" lang="ja-JP" altLang="en-US"/>
           </a:p>
@@ -3904,7 +4358,7 @@
     </p:spTree>
     <p:extLst>
       <p:ext uri="{BB962C8B-B14F-4D97-AF65-F5344CB8AC3E}">
-        <p14:creationId xmlns:p14="http://schemas.microsoft.com/office/powerpoint/2010/main" val="646114937"/>
+        <p14:creationId xmlns:p14="http://schemas.microsoft.com/office/powerpoint/2010/main" val="1049382476"/>
       </p:ext>
     </p:extLst>
   </p:cSld>
@@ -3958,6 +4412,22 @@
           <a:bodyPr/>
           <a:lstStyle/>
           <a:p>
+            <a:r>
+              <a:rPr kumimoji="1" lang="en-US" altLang="ja-JP" dirty="0" smtClean="0"/>
+              <a:t>3</a:t>
+            </a:r>
+            <a:r>
+              <a:rPr kumimoji="1" lang="ja-JP" altLang="en-US" dirty="0" smtClean="0"/>
+              <a:t>日目は逆に寒い日のようですので、</a:t>
+            </a:r>
+            <a:r>
+              <a:rPr kumimoji="1" lang="en-US" altLang="ja-JP" dirty="0" smtClean="0"/>
+              <a:t>2</a:t>
+            </a:r>
+            <a:r>
+              <a:rPr kumimoji="1" lang="ja-JP" altLang="en-US" dirty="0" smtClean="0"/>
+              <a:t>日目よりも暖かい服装を提示しています。</a:t>
+            </a:r>
             <a:endParaRPr kumimoji="1" lang="ja-JP" altLang="en-US" dirty="0"/>
           </a:p>
         </p:txBody>
@@ -3979,7 +4449,7 @@
           <a:p>
             <a:fld id="{302EF476-358D-4D49-A664-93B2AEB55DD0}" type="slidenum">
               <a:rPr kumimoji="1" lang="ja-JP" altLang="en-US" smtClean="0"/>
-              <a:t>12</a:t>
+              <a:t>7</a:t>
             </a:fld>
             <a:endParaRPr kumimoji="1" lang="ja-JP" altLang="en-US"/>
           </a:p>
@@ -3988,7 +4458,7 @@
     </p:spTree>
     <p:extLst>
       <p:ext uri="{BB962C8B-B14F-4D97-AF65-F5344CB8AC3E}">
-        <p14:creationId xmlns:p14="http://schemas.microsoft.com/office/powerpoint/2010/main" val="790797992"/>
+        <p14:creationId xmlns:p14="http://schemas.microsoft.com/office/powerpoint/2010/main" val="1835564968"/>
       </p:ext>
     </p:extLst>
   </p:cSld>
@@ -4042,6 +4512,18 @@
           <a:bodyPr/>
           <a:lstStyle/>
           <a:p>
+            <a:r>
+              <a:rPr kumimoji="1" lang="ja-JP" altLang="en-US" dirty="0" smtClean="0"/>
+              <a:t>ここからは使用技術についての説明をしていこうと思います。</a:t>
+            </a:r>
+            <a:r>
+              <a:rPr kumimoji="1" lang="en-US" altLang="ja-JP" dirty="0" smtClean="0"/>
+              <a:t>Moderate clothes</a:t>
+            </a:r>
+            <a:r>
+              <a:rPr kumimoji="1" lang="ja-JP" altLang="en-US" dirty="0" smtClean="0"/>
+              <a:t>の登録から毎朝の通知までの流れはまず、性別、地域、通知時間などのユーザーデータを取得し、データベースに保管します。次に保管されたユーザーデータと、その日の天候をもとに通知に使用する文書の生成と、画像のクローリングを行います。最後に生成した文章と画像をユーザーに通知します。では、今回力を入れて開発した文章の生成と画像のクローリングについて詳しく説明させていただきます。</a:t>
+            </a:r>
             <a:endParaRPr kumimoji="1" lang="ja-JP" altLang="en-US" dirty="0"/>
           </a:p>
         </p:txBody>
@@ -4063,7 +4545,7 @@
           <a:p>
             <a:fld id="{302EF476-358D-4D49-A664-93B2AEB55DD0}" type="slidenum">
               <a:rPr kumimoji="1" lang="ja-JP" altLang="en-US" smtClean="0"/>
-              <a:t>13</a:t>
+              <a:t>8</a:t>
             </a:fld>
             <a:endParaRPr kumimoji="1" lang="ja-JP" altLang="en-US"/>
           </a:p>
@@ -4072,7 +4554,111 @@
     </p:spTree>
     <p:extLst>
       <p:ext uri="{BB962C8B-B14F-4D97-AF65-F5344CB8AC3E}">
-        <p14:creationId xmlns:p14="http://schemas.microsoft.com/office/powerpoint/2010/main" val="16353724"/>
+        <p14:creationId xmlns:p14="http://schemas.microsoft.com/office/powerpoint/2010/main" val="1737828021"/>
+      </p:ext>
+    </p:extLst>
+  </p:cSld>
+  <p:clrMapOvr>
+    <a:masterClrMapping/>
+  </p:clrMapOvr>
+</p:notes>
+</file>
+
+<file path=ppt/notesSlides/notesSlide9.xml><?xml version="1.0" encoding="utf-8"?>
+<p:notes xmlns:a="http://schemas.openxmlformats.org/drawingml/2006/main" xmlns:r="http://schemas.openxmlformats.org/officeDocument/2006/relationships" xmlns:p="http://schemas.openxmlformats.org/presentationml/2006/main">
+  <p:cSld>
+    <p:spTree>
+      <p:nvGrpSpPr>
+        <p:cNvPr id="1" name=""/>
+        <p:cNvGrpSpPr/>
+        <p:nvPr/>
+      </p:nvGrpSpPr>
+      <p:grpSpPr>
+        <a:xfrm>
+          <a:off x="0" y="0"/>
+          <a:ext cx="0" cy="0"/>
+          <a:chOff x="0" y="0"/>
+          <a:chExt cx="0" cy="0"/>
+        </a:xfrm>
+      </p:grpSpPr>
+      <p:sp>
+        <p:nvSpPr>
+          <p:cNvPr id="2" name="スライド イメージ プレースホルダー 1"/>
+          <p:cNvSpPr>
+            <a:spLocks noGrp="1" noRot="1" noChangeAspect="1"/>
+          </p:cNvSpPr>
+          <p:nvPr>
+            <p:ph type="sldImg"/>
+          </p:nvPr>
+        </p:nvSpPr>
+        <p:spPr/>
+      </p:sp>
+      <p:sp>
+        <p:nvSpPr>
+          <p:cNvPr id="3" name="ノート プレースホルダー 2"/>
+          <p:cNvSpPr>
+            <a:spLocks noGrp="1"/>
+          </p:cNvSpPr>
+          <p:nvPr>
+            <p:ph type="body" idx="1"/>
+          </p:nvPr>
+        </p:nvSpPr>
+        <p:spPr/>
+        <p:txBody>
+          <a:bodyPr/>
+          <a:lstStyle/>
+          <a:p>
+            <a:r>
+              <a:rPr kumimoji="1" lang="ja-JP" altLang="en-US" dirty="0" smtClean="0"/>
+              <a:t>先に画像のクローリングについて説明します。僕達はユーザーにより直感的に理解してもらう為に、参考となる服装を画像で表示する事にしました。画像は過去の似た天候の日に多くの人がどのような服を着ていたかという情報からできています。その実装は、</a:t>
+            </a:r>
+            <a:r>
+              <a:rPr kumimoji="1" lang="en-US" altLang="ja-JP" dirty="0" smtClean="0"/>
+              <a:t>API</a:t>
+            </a:r>
+            <a:r>
+              <a:rPr kumimoji="1" lang="ja-JP" altLang="en-US" dirty="0" smtClean="0"/>
+              <a:t>から得られた気候データを元に過去の似た天候の日付を特定。ファッション</a:t>
+            </a:r>
+            <a:r>
+              <a:rPr kumimoji="1" lang="en-US" altLang="ja-JP" dirty="0" smtClean="0"/>
+              <a:t>SNS</a:t>
+            </a:r>
+            <a:r>
+              <a:rPr kumimoji="1" lang="ja-JP" altLang="en-US" dirty="0" smtClean="0"/>
+              <a:t>サイトからその日付けの服装データを取得するという形で行われています。</a:t>
+            </a:r>
+            <a:endParaRPr kumimoji="1" lang="en-US" altLang="ja-JP" dirty="0" smtClean="0"/>
+          </a:p>
+        </p:txBody>
+      </p:sp>
+      <p:sp>
+        <p:nvSpPr>
+          <p:cNvPr id="4" name="スライド番号プレースホルダー 3"/>
+          <p:cNvSpPr>
+            <a:spLocks noGrp="1"/>
+          </p:cNvSpPr>
+          <p:nvPr>
+            <p:ph type="sldNum" sz="quarter" idx="10"/>
+          </p:nvPr>
+        </p:nvSpPr>
+        <p:spPr/>
+        <p:txBody>
+          <a:bodyPr/>
+          <a:lstStyle/>
+          <a:p>
+            <a:fld id="{302EF476-358D-4D49-A664-93B2AEB55DD0}" type="slidenum">
+              <a:rPr kumimoji="1" lang="ja-JP" altLang="en-US" smtClean="0"/>
+              <a:t>9</a:t>
+            </a:fld>
+            <a:endParaRPr kumimoji="1" lang="ja-JP" altLang="en-US"/>
+          </a:p>
+        </p:txBody>
+      </p:sp>
+    </p:spTree>
+    <p:extLst>
+      <p:ext uri="{BB962C8B-B14F-4D97-AF65-F5344CB8AC3E}">
+        <p14:creationId xmlns:p14="http://schemas.microsoft.com/office/powerpoint/2010/main" val="739194465"/>
       </p:ext>
     </p:extLst>
   </p:cSld>
@@ -7668,7 +8254,7 @@
             <p:nvPr/>
           </p:nvPicPr>
           <p:blipFill rotWithShape="1">
-            <a:blip r:embed="rId2">
+            <a:blip r:embed="rId3">
               <a:extLst>
                 <a:ext uri="{28A0092B-C50C-407E-A947-70E740481C1C}">
                   <a14:useLocalDpi xmlns:a14="http://schemas.microsoft.com/office/drawing/2010/main" val="0"/>
@@ -11795,7 +12381,7 @@
         </p:xfrm>
         <a:graphic>
           <a:graphicData uri="http://schemas.openxmlformats.org/drawingml/2006/chart">
-            <c:chart xmlns:c="http://schemas.openxmlformats.org/drawingml/2006/chart" xmlns:r="http://schemas.openxmlformats.org/officeDocument/2006/relationships" r:id="rId2"/>
+            <c:chart xmlns:c="http://schemas.openxmlformats.org/drawingml/2006/chart" xmlns:r="http://schemas.openxmlformats.org/officeDocument/2006/relationships" r:id="rId3"/>
           </a:graphicData>
         </a:graphic>
       </p:graphicFrame>
@@ -12383,7 +12969,7 @@
         </p:xfrm>
         <a:graphic>
           <a:graphicData uri="http://schemas.openxmlformats.org/drawingml/2006/chart">
-            <c:chart xmlns:c="http://schemas.openxmlformats.org/drawingml/2006/chart" xmlns:r="http://schemas.openxmlformats.org/officeDocument/2006/relationships" r:id="rId2"/>
+            <c:chart xmlns:c="http://schemas.openxmlformats.org/drawingml/2006/chart" xmlns:r="http://schemas.openxmlformats.org/officeDocument/2006/relationships" r:id="rId3"/>
           </a:graphicData>
         </a:graphic>
       </p:graphicFrame>
@@ -12961,7 +13547,7 @@
         </p:xfrm>
         <a:graphic>
           <a:graphicData uri="http://schemas.openxmlformats.org/drawingml/2006/chart">
-            <c:chart xmlns:c="http://schemas.openxmlformats.org/drawingml/2006/chart" xmlns:r="http://schemas.openxmlformats.org/officeDocument/2006/relationships" r:id="rId2"/>
+            <c:chart xmlns:c="http://schemas.openxmlformats.org/drawingml/2006/chart" xmlns:r="http://schemas.openxmlformats.org/officeDocument/2006/relationships" r:id="rId3"/>
           </a:graphicData>
         </a:graphic>
       </p:graphicFrame>
